--- a/docs/6224М Шашов.pptx
+++ b/docs/6224М Шашов.pptx
@@ -5,10 +5,10 @@
     <p:sldMasterId id="2147483696" r:id="rId1"/>
   </p:sldMasterIdLst>
   <p:notesMasterIdLst>
-    <p:notesMasterId r:id="rId23"/>
+    <p:notesMasterId r:id="rId22"/>
   </p:notesMasterIdLst>
   <p:handoutMasterIdLst>
-    <p:handoutMasterId r:id="rId24"/>
+    <p:handoutMasterId r:id="rId23"/>
   </p:handoutMasterIdLst>
   <p:sldIdLst>
     <p:sldId id="256" r:id="rId2"/>
@@ -29,9 +29,8 @@
     <p:sldId id="272" r:id="rId17"/>
     <p:sldId id="273" r:id="rId18"/>
     <p:sldId id="271" r:id="rId19"/>
-    <p:sldId id="275" r:id="rId20"/>
-    <p:sldId id="262" r:id="rId21"/>
-    <p:sldId id="261" r:id="rId22"/>
+    <p:sldId id="262" r:id="rId20"/>
+    <p:sldId id="261" r:id="rId21"/>
   </p:sldIdLst>
   <p:sldSz cx="12192000" cy="6858000"/>
   <p:notesSz cx="6858000" cy="9144000"/>
@@ -223,7 +222,7 @@
           <a:p>
             <a:fld id="{626D5102-342F-4A79-9469-49DCAAC754F0}" type="datetimeFigureOut">
               <a:rPr lang="ru-RU" smtClean="0"/>
-              <a:t>13.05.2017</a:t>
+              <a:t>19.05.2017</a:t>
             </a:fld>
             <a:endParaRPr lang="ru-RU"/>
           </a:p>
@@ -388,7 +387,7 @@
           <a:p>
             <a:fld id="{FB9D58DA-71DD-4214-B6BD-CB05BF9181DC}" type="datetimeFigureOut">
               <a:rPr lang="ru-RU" smtClean="0"/>
-              <a:t>13.05.2017</a:t>
+              <a:t>19.05.2017</a:t>
             </a:fld>
             <a:endParaRPr lang="ru-RU"/>
           </a:p>
@@ -955,7 +954,7 @@
           <a:p>
             <a:fld id="{197E01F3-3F2C-4CCD-BA7E-D5C219D48F53}" type="datetime1">
               <a:rPr lang="ru-RU" smtClean="0"/>
-              <a:t>13.05.2017</a:t>
+              <a:t>19.05.2017</a:t>
             </a:fld>
             <a:endParaRPr lang="ru-RU"/>
           </a:p>
@@ -1113,7 +1112,7 @@
           <a:p>
             <a:fld id="{611C1D9E-A7C0-46A5-902E-5FE32E115F32}" type="datetime1">
               <a:rPr lang="ru-RU" smtClean="0"/>
-              <a:t>13.05.2017</a:t>
+              <a:t>19.05.2017</a:t>
             </a:fld>
             <a:endParaRPr lang="ru-RU"/>
           </a:p>
@@ -1333,7 +1332,7 @@
           <a:p>
             <a:fld id="{DADB57D4-6807-4F76-BA42-1C59A43EE154}" type="datetime1">
               <a:rPr lang="ru-RU" smtClean="0"/>
-              <a:t>13.05.2017</a:t>
+              <a:t>19.05.2017</a:t>
             </a:fld>
             <a:endParaRPr lang="ru-RU"/>
           </a:p>
@@ -1439,7 +1438,7 @@
           <a:p>
             <a:fld id="{89FF736A-EBEB-432F-88EE-2C78825527D6}" type="datetime1">
               <a:rPr lang="ru-RU" smtClean="0"/>
-              <a:t>13.05.2017</a:t>
+              <a:t>19.05.2017</a:t>
             </a:fld>
             <a:endParaRPr lang="ru-RU"/>
           </a:p>
@@ -1649,7 +1648,7 @@
           <a:p>
             <a:fld id="{4F6946D8-3DBB-4237-96B4-62204B601A92}" type="datetime1">
               <a:rPr lang="ru-RU" smtClean="0"/>
-              <a:t>13.05.2017</a:t>
+              <a:t>19.05.2017</a:t>
             </a:fld>
             <a:endParaRPr lang="ru-RU"/>
           </a:p>
@@ -1739,7 +1738,15 @@
             </a:fld>
             <a:r>
               <a:rPr lang="en-US" sz="2400" dirty="0" smtClean="0"/>
-              <a:t>/10</a:t>
+              <a:t>/</a:t>
+            </a:r>
+            <a:r>
+              <a:rPr lang="ru-RU" sz="2400" dirty="0" smtClean="0"/>
+              <a:t>2</a:t>
+            </a:r>
+            <a:r>
+              <a:rPr lang="en-US" sz="2400" dirty="0" smtClean="0"/>
+              <a:t>0</a:t>
             </a:r>
             <a:endParaRPr lang="ru-RU" sz="2400" dirty="0"/>
           </a:p>
@@ -3045,8 +3052,8 @@
           </a:prstGeom>
         </p:spPr>
       </p:pic>
-      <mc:AlternateContent xmlns:mc="http://schemas.openxmlformats.org/markup-compatibility/2006" xmlns:a14="http://schemas.microsoft.com/office/drawing/2010/main">
-        <mc:Choice Requires="a14">
+      <mc:AlternateContent xmlns:mc="http://schemas.openxmlformats.org/markup-compatibility/2006">
+        <mc:Choice xmlns:a14="http://schemas.microsoft.com/office/drawing/2010/main" Requires="a14">
           <p:sp>
             <p:nvSpPr>
               <p:cNvPr id="8" name="Прямоугольник 7"/>
@@ -3055,15 +3062,15 @@
             </p:nvSpPr>
             <p:spPr>
               <a:xfrm>
-                <a:off x="1449805" y="4313159"/>
-                <a:ext cx="6096000" cy="1371145"/>
+                <a:off x="2148115" y="4423292"/>
+                <a:ext cx="4693418" cy="1371145"/>
               </a:xfrm>
               <a:prstGeom prst="rect">
                 <a:avLst/>
               </a:prstGeom>
             </p:spPr>
             <p:txBody>
-              <a:bodyPr>
+              <a:bodyPr wrap="square">
                 <a:spAutoFit/>
               </a:bodyPr>
               <a:lstStyle/>
@@ -3168,7 +3175,7 @@
                 </a:endParaRPr>
               </a:p>
               <a:p>
-                <a:pPr algn="ctr">
+                <a:pPr>
                   <a:tabLst>
                     <a:tab pos="2970530" algn="ctr"/>
                     <a:tab pos="5939790" algn="r"/>
@@ -3177,13 +3184,13 @@
                 <a14:m>
                   <m:oMath xmlns:m="http://schemas.openxmlformats.org/officeDocument/2006/math">
                     <m:r>
-                      <a:rPr lang="ru-RU" i="1">
+                      <a:rPr lang="ru-RU" b="1" i="1">
                         <a:effectLst/>
                         <a:latin typeface="Cambria Math" panose="02040503050406030204" pitchFamily="18" charset="0"/>
                         <a:ea typeface="Calibri" panose="020F0502020204030204" pitchFamily="34" charset="0"/>
                         <a:cs typeface="Times New Roman" panose="02020603050405020304" pitchFamily="18" charset="0"/>
                       </a:rPr>
-                      <m:t>𝑥</m:t>
+                      <m:t>𝒙</m:t>
                     </m:r>
                   </m:oMath>
                 </a14:m>
@@ -3213,13 +3220,13 @@
                 <a14:m>
                   <m:oMath xmlns:m="http://schemas.openxmlformats.org/officeDocument/2006/math">
                     <m:r>
-                      <a:rPr lang="ru-RU" i="1">
+                      <a:rPr lang="ru-RU" b="1" i="1">
                         <a:effectLst/>
                         <a:latin typeface="Cambria Math" panose="02040503050406030204" pitchFamily="18" charset="0"/>
                         <a:ea typeface="Calibri" panose="020F0502020204030204" pitchFamily="34" charset="0"/>
                         <a:cs typeface="Times New Roman" panose="02020603050405020304" pitchFamily="18" charset="0"/>
                       </a:rPr>
-                      <m:t>𝐸</m:t>
+                      <m:t>𝑬</m:t>
                     </m:r>
                   </m:oMath>
                 </a14:m>
@@ -3248,7 +3255,7 @@
             </p:txBody>
           </p:sp>
         </mc:Choice>
-        <mc:Fallback xmlns="">
+        <mc:Fallback>
           <p:sp>
             <p:nvSpPr>
               <p:cNvPr id="8" name="Прямоугольник 7"/>
@@ -3259,8 +3266,8 @@
             </p:nvSpPr>
             <p:spPr>
               <a:xfrm>
-                <a:off x="1449805" y="4313159"/>
-                <a:ext cx="6096000" cy="1371145"/>
+                <a:off x="2148115" y="4423292"/>
+                <a:ext cx="4693418" cy="1371145"/>
               </a:xfrm>
               <a:prstGeom prst="rect">
                 <a:avLst/>
@@ -3268,7 +3275,7 @@
               <a:blipFill rotWithShape="0">
                 <a:blip r:embed="rId3"/>
                 <a:stretch>
-                  <a:fillRect b="-6696"/>
+                  <a:fillRect b="-6222"/>
                 </a:stretch>
               </a:blipFill>
             </p:spPr>
@@ -3419,8 +3426,8 @@
           </a:p>
         </p:txBody>
       </p:sp>
-      <mc:AlternateContent xmlns:mc="http://schemas.openxmlformats.org/markup-compatibility/2006" xmlns:a14="http://schemas.microsoft.com/office/drawing/2010/main">
-        <mc:Choice Requires="a14">
+      <mc:AlternateContent xmlns:mc="http://schemas.openxmlformats.org/markup-compatibility/2006">
+        <mc:Choice xmlns:a14="http://schemas.microsoft.com/office/drawing/2010/main" Requires="a14">
           <p:sp>
             <p:nvSpPr>
               <p:cNvPr id="5" name="Прямоугольник 4"/>
@@ -3429,7 +3436,7 @@
             </p:nvSpPr>
             <p:spPr>
               <a:xfrm>
-                <a:off x="455943" y="2926477"/>
+                <a:off x="455943" y="2623265"/>
                 <a:ext cx="8083719" cy="2585323"/>
               </a:xfrm>
               <a:prstGeom prst="rect">
@@ -3442,7 +3449,7 @@
               </a:bodyPr>
               <a:lstStyle/>
               <a:p>
-                <a:pPr algn="ctr">
+                <a:pPr>
                   <a:lnSpc>
                     <a:spcPct val="150000"/>
                   </a:lnSpc>
@@ -3450,7 +3457,7 @@
                 <a14:m>
                   <m:oMathPara xmlns:m="http://schemas.openxmlformats.org/officeDocument/2006/math">
                     <m:oMathParaPr>
-                      <m:jc m:val="centerGroup"/>
+                      <m:jc m:val="center"/>
                     </m:oMathParaPr>
                     <m:oMath xmlns:m="http://schemas.openxmlformats.org/officeDocument/2006/math">
                       <m:r>
@@ -3567,25 +3574,25 @@
                     <m:sSub>
                       <m:sSubPr>
                         <m:ctrlPr>
-                          <a:rPr lang="en-US" sz="2000" i="1">
+                          <a:rPr lang="en-US" sz="2000" b="1" i="1">
                             <a:latin typeface="Cambria Math" panose="02040503050406030204" pitchFamily="18" charset="0"/>
                           </a:rPr>
                         </m:ctrlPr>
                       </m:sSubPr>
                       <m:e>
                         <m:r>
-                          <a:rPr lang="en-US" sz="2000" i="1">
+                          <a:rPr lang="en-US" sz="2000" b="1" i="1">
                             <a:latin typeface="Cambria Math" panose="02040503050406030204" pitchFamily="18" charset="0"/>
                           </a:rPr>
-                          <m:t>𝑁</m:t>
+                          <m:t>𝑵</m:t>
                         </m:r>
                       </m:e>
                       <m:sub>
                         <m:r>
-                          <a:rPr lang="ru-RU" sz="2000" b="0" i="1" smtClean="0">
+                          <a:rPr lang="ru-RU" sz="2000" b="1" i="1" smtClean="0">
                             <a:latin typeface="Cambria Math" panose="02040503050406030204" pitchFamily="18" charset="0"/>
                           </a:rPr>
-                          <m:t>0</m:t>
+                          <m:t>𝟎</m:t>
                         </m:r>
                       </m:sub>
                     </m:sSub>
@@ -3611,25 +3618,25 @@
                     <m:sSub>
                       <m:sSubPr>
                         <m:ctrlPr>
-                          <a:rPr lang="en-US" sz="2000" i="1">
+                          <a:rPr lang="en-US" sz="2000" b="1" i="1">
                             <a:latin typeface="Cambria Math" panose="02040503050406030204" pitchFamily="18" charset="0"/>
                           </a:rPr>
                         </m:ctrlPr>
                       </m:sSubPr>
                       <m:e>
                         <m:r>
-                          <a:rPr lang="en-US" sz="2000" i="1">
+                          <a:rPr lang="en-US" sz="2000" b="1" i="1">
                             <a:latin typeface="Cambria Math" panose="02040503050406030204" pitchFamily="18" charset="0"/>
                           </a:rPr>
-                          <m:t>𝑁</m:t>
+                          <m:t>𝑵</m:t>
                         </m:r>
                       </m:e>
                       <m:sub>
                         <m:r>
-                          <a:rPr lang="en-US" sz="2000" i="1">
+                          <a:rPr lang="en-US" sz="2000" b="1" i="1">
                             <a:latin typeface="Cambria Math" panose="02040503050406030204" pitchFamily="18" charset="0"/>
                           </a:rPr>
-                          <m:t>1</m:t>
+                          <m:t>𝟏</m:t>
                         </m:r>
                       </m:sub>
                     </m:sSub>
@@ -3654,7 +3661,7 @@
                 <a:endParaRPr lang="en-US" sz="2000" i="1" dirty="0"/>
               </a:p>
               <a:p>
-                <a:pPr algn="ctr">
+                <a:pPr>
                   <a:lnSpc>
                     <a:spcPct val="150000"/>
                   </a:lnSpc>
@@ -3664,25 +3671,25 @@
                     <m:sSub>
                       <m:sSubPr>
                         <m:ctrlPr>
-                          <a:rPr lang="en-US" sz="2000" i="1">
+                          <a:rPr lang="en-US" sz="2000" b="1" i="1">
                             <a:latin typeface="Cambria Math" panose="02040503050406030204" pitchFamily="18" charset="0"/>
                           </a:rPr>
                         </m:ctrlPr>
                       </m:sSubPr>
                       <m:e>
                         <m:r>
-                          <a:rPr lang="en-US" sz="2000" i="1">
+                          <a:rPr lang="en-US" sz="2000" b="1" i="1">
                             <a:latin typeface="Cambria Math" panose="02040503050406030204" pitchFamily="18" charset="0"/>
                           </a:rPr>
-                          <m:t>𝑁</m:t>
+                          <m:t>𝑵</m:t>
                         </m:r>
                       </m:e>
                       <m:sub>
                         <m:r>
-                          <a:rPr lang="ru-RU" sz="2000" b="0" i="1" smtClean="0">
+                          <a:rPr lang="ru-RU" sz="2000" b="1" i="1" smtClean="0">
                             <a:latin typeface="Cambria Math" panose="02040503050406030204" pitchFamily="18" charset="0"/>
                           </a:rPr>
-                          <m:t>2</m:t>
+                          <m:t>𝟐</m:t>
                         </m:r>
                       </m:sub>
                     </m:sSub>
@@ -3713,7 +3720,7 @@
             </p:txBody>
           </p:sp>
         </mc:Choice>
-        <mc:Fallback xmlns="">
+        <mc:Fallback>
           <p:sp>
             <p:nvSpPr>
               <p:cNvPr id="5" name="Прямоугольник 4"/>
@@ -3724,7 +3731,7 @@
             </p:nvSpPr>
             <p:spPr>
               <a:xfrm>
-                <a:off x="455943" y="2926477"/>
+                <a:off x="455943" y="2623265"/>
                 <a:ext cx="8083719" cy="2585323"/>
               </a:xfrm>
               <a:prstGeom prst="rect">
@@ -3762,8 +3769,8 @@
         </p:nvSpPr>
         <p:spPr>
           <a:xfrm>
-            <a:off x="385009" y="5511800"/>
-            <a:ext cx="8225589" cy="1012825"/>
+            <a:off x="385009" y="5208588"/>
+            <a:ext cx="8225589" cy="1316037"/>
           </a:xfrm>
           <a:prstGeom prst="rect">
             <a:avLst/>
@@ -4048,30 +4055,6 @@
           </a:p>
         </p:txBody>
       </p:sp>
-      <p:pic>
-        <p:nvPicPr>
-          <p:cNvPr id="7" name="Рисунок 6"/>
-          <p:cNvPicPr>
-            <a:picLocks noChangeAspect="1"/>
-          </p:cNvPicPr>
-          <p:nvPr/>
-        </p:nvPicPr>
-        <p:blipFill>
-          <a:blip r:embed="rId2"/>
-          <a:stretch>
-            <a:fillRect/>
-          </a:stretch>
-        </p:blipFill>
-        <p:spPr>
-          <a:xfrm>
-            <a:off x="1011809" y="1690688"/>
-            <a:ext cx="9924449" cy="4337352"/>
-          </a:xfrm>
-          <a:prstGeom prst="rect">
-            <a:avLst/>
-          </a:prstGeom>
-        </p:spPr>
-      </p:pic>
       <p:sp>
         <p:nvSpPr>
           <p:cNvPr id="2" name="Нижний колонтитул 1"/>
@@ -4095,6 +4078,30 @@
           </a:p>
         </p:txBody>
       </p:sp>
+      <p:pic>
+        <p:nvPicPr>
+          <p:cNvPr id="3" name="Рисунок 2"/>
+          <p:cNvPicPr>
+            <a:picLocks noChangeAspect="1"/>
+          </p:cNvPicPr>
+          <p:nvPr/>
+        </p:nvPicPr>
+        <p:blipFill>
+          <a:blip r:embed="rId2"/>
+          <a:stretch>
+            <a:fillRect/>
+          </a:stretch>
+        </p:blipFill>
+        <p:spPr>
+          <a:xfrm>
+            <a:off x="720411" y="1507163"/>
+            <a:ext cx="10703149" cy="4648381"/>
+          </a:xfrm>
+          <a:prstGeom prst="rect">
+            <a:avLst/>
+          </a:prstGeom>
+        </p:spPr>
+      </p:pic>
     </p:spTree>
     <p:extLst>
       <p:ext uri="{BB962C8B-B14F-4D97-AF65-F5344CB8AC3E}">
@@ -4167,30 +4174,6 @@
           </a:p>
         </p:txBody>
       </p:sp>
-      <p:pic>
-        <p:nvPicPr>
-          <p:cNvPr id="9" name="Рисунок 8"/>
-          <p:cNvPicPr>
-            <a:picLocks noChangeAspect="1"/>
-          </p:cNvPicPr>
-          <p:nvPr/>
-        </p:nvPicPr>
-        <p:blipFill>
-          <a:blip r:embed="rId2"/>
-          <a:stretch>
-            <a:fillRect/>
-          </a:stretch>
-        </p:blipFill>
-        <p:spPr>
-          <a:xfrm>
-            <a:off x="1430141" y="1882005"/>
-            <a:ext cx="9392678" cy="3926614"/>
-          </a:xfrm>
-          <a:prstGeom prst="rect">
-            <a:avLst/>
-          </a:prstGeom>
-        </p:spPr>
-      </p:pic>
       <p:sp>
         <p:nvSpPr>
           <p:cNvPr id="3" name="Нижний колонтитул 2"/>
@@ -4214,6 +4197,559 @@
           </a:p>
         </p:txBody>
       </p:sp>
+      <mc:AlternateContent xmlns:mc="http://schemas.openxmlformats.org/markup-compatibility/2006">
+        <mc:Choice xmlns:a14="http://schemas.microsoft.com/office/drawing/2010/main" Requires="a14">
+          <p:sp>
+            <p:nvSpPr>
+              <p:cNvPr id="5" name="Объект 3"/>
+              <p:cNvSpPr>
+                <a:spLocks noGrp="1"/>
+              </p:cNvSpPr>
+              <p:nvPr>
+                <p:ph sz="half" idx="1"/>
+              </p:nvPr>
+            </p:nvSpPr>
+            <p:spPr>
+              <a:xfrm>
+                <a:off x="1097281" y="1870075"/>
+                <a:ext cx="4389120" cy="562973"/>
+              </a:xfrm>
+              <a:ln>
+                <a:noFill/>
+              </a:ln>
+            </p:spPr>
+            <p:style>
+              <a:lnRef idx="2">
+                <a:schemeClr val="dk1"/>
+              </a:lnRef>
+              <a:fillRef idx="1">
+                <a:schemeClr val="lt1"/>
+              </a:fillRef>
+              <a:effectRef idx="0">
+                <a:schemeClr val="dk1"/>
+              </a:effectRef>
+              <a:fontRef idx="minor">
+                <a:schemeClr val="dk1"/>
+              </a:fontRef>
+            </p:style>
+            <p:txBody>
+              <a:bodyPr>
+                <a:normAutofit/>
+              </a:bodyPr>
+              <a:lstStyle/>
+              <a:p>
+                <a:pPr marL="0" indent="0">
+                  <a:buNone/>
+                </a:pPr>
+                <a:r>
+                  <a:rPr lang="ru-RU" sz="2800" dirty="0" smtClean="0">
+                    <a:solidFill>
+                      <a:srgbClr val="C00000"/>
+                    </a:solidFill>
+                  </a:rPr>
+                  <a:t>Начальный интервал </a:t>
+                </a:r>
+                <a14:m>
+                  <m:oMath xmlns:m="http://schemas.openxmlformats.org/officeDocument/2006/math">
+                    <m:d>
+                      <m:dPr>
+                        <m:begChr m:val="["/>
+                        <m:endChr m:val="]"/>
+                        <m:ctrlPr>
+                          <a:rPr lang="en-US" sz="2800" i="1" dirty="0" smtClean="0">
+                            <a:solidFill>
+                              <a:srgbClr val="C00000"/>
+                            </a:solidFill>
+                            <a:latin typeface="Cambria Math" panose="02040503050406030204" pitchFamily="18" charset="0"/>
+                          </a:rPr>
+                        </m:ctrlPr>
+                      </m:dPr>
+                      <m:e>
+                        <m:r>
+                          <a:rPr lang="en-US" sz="2800" i="1" dirty="0" err="1" smtClean="0">
+                            <a:solidFill>
+                              <a:srgbClr val="C00000"/>
+                            </a:solidFill>
+                            <a:latin typeface="Cambria Math" panose="02040503050406030204" pitchFamily="18" charset="0"/>
+                          </a:rPr>
+                          <m:t>𝑎</m:t>
+                        </m:r>
+                        <m:r>
+                          <a:rPr lang="en-US" sz="2800" i="1" dirty="0" err="1" smtClean="0">
+                            <a:solidFill>
+                              <a:srgbClr val="C00000"/>
+                            </a:solidFill>
+                            <a:latin typeface="Cambria Math" panose="02040503050406030204" pitchFamily="18" charset="0"/>
+                          </a:rPr>
+                          <m:t>;</m:t>
+                        </m:r>
+                        <m:r>
+                          <a:rPr lang="en-US" sz="2800" i="1" dirty="0" err="1" smtClean="0">
+                            <a:solidFill>
+                              <a:srgbClr val="C00000"/>
+                            </a:solidFill>
+                            <a:latin typeface="Cambria Math" panose="02040503050406030204" pitchFamily="18" charset="0"/>
+                          </a:rPr>
+                          <m:t>𝑏</m:t>
+                        </m:r>
+                      </m:e>
+                    </m:d>
+                  </m:oMath>
+                </a14:m>
+                <a:endParaRPr lang="ru-RU" sz="2800" dirty="0" smtClean="0">
+                  <a:solidFill>
+                    <a:srgbClr val="C00000"/>
+                  </a:solidFill>
+                </a:endParaRPr>
+              </a:p>
+            </p:txBody>
+          </p:sp>
+        </mc:Choice>
+        <mc:Fallback>
+          <p:sp>
+            <p:nvSpPr>
+              <p:cNvPr id="5" name="Объект 3"/>
+              <p:cNvSpPr>
+                <a:spLocks noGrp="1" noRot="1" noChangeAspect="1" noMove="1" noResize="1" noEditPoints="1" noAdjustHandles="1" noChangeArrowheads="1" noChangeShapeType="1" noTextEdit="1"/>
+              </p:cNvSpPr>
+              <p:nvPr>
+                <p:ph sz="half" idx="1"/>
+              </p:nvPr>
+            </p:nvSpPr>
+            <p:spPr>
+              <a:xfrm>
+                <a:off x="1097281" y="1870075"/>
+                <a:ext cx="4389120" cy="562973"/>
+              </a:xfrm>
+              <a:blipFill rotWithShape="0">
+                <a:blip r:embed="rId2"/>
+                <a:stretch>
+                  <a:fillRect l="-2778" t="-18478" b="-16304"/>
+                </a:stretch>
+              </a:blipFill>
+              <a:ln>
+                <a:noFill/>
+              </a:ln>
+            </p:spPr>
+            <p:txBody>
+              <a:bodyPr/>
+              <a:lstStyle/>
+              <a:p>
+                <a:r>
+                  <a:rPr lang="ru-RU">
+                    <a:noFill/>
+                  </a:rPr>
+                  <a:t> </a:t>
+                </a:r>
+              </a:p>
+            </p:txBody>
+          </p:sp>
+        </mc:Fallback>
+      </mc:AlternateContent>
+      <mc:AlternateContent xmlns:mc="http://schemas.openxmlformats.org/markup-compatibility/2006">
+        <mc:Choice xmlns:a14="http://schemas.microsoft.com/office/drawing/2010/main" Requires="a14">
+          <p:sp>
+            <p:nvSpPr>
+              <p:cNvPr id="6" name="Объект 4"/>
+              <p:cNvSpPr>
+                <a:spLocks noGrp="1"/>
+              </p:cNvSpPr>
+              <p:nvPr>
+                <p:ph sz="half" idx="2"/>
+              </p:nvPr>
+            </p:nvSpPr>
+            <p:spPr>
+              <a:xfrm>
+                <a:off x="6172200" y="1825625"/>
+                <a:ext cx="4983480" cy="4351338"/>
+              </a:xfrm>
+              <a:ln>
+                <a:noFill/>
+              </a:ln>
+            </p:spPr>
+            <p:style>
+              <a:lnRef idx="2">
+                <a:schemeClr val="dk1"/>
+              </a:lnRef>
+              <a:fillRef idx="1">
+                <a:schemeClr val="lt1"/>
+              </a:fillRef>
+              <a:effectRef idx="0">
+                <a:schemeClr val="dk1"/>
+              </a:effectRef>
+              <a:fontRef idx="minor">
+                <a:schemeClr val="dk1"/>
+              </a:fontRef>
+            </p:style>
+            <p:txBody>
+              <a:bodyPr>
+                <a:normAutofit/>
+              </a:bodyPr>
+              <a:lstStyle/>
+              <a:p>
+                <a:r>
+                  <a:rPr lang="ru-RU" sz="2800" dirty="0" smtClean="0">
+                    <a:solidFill>
+                      <a:srgbClr val="C00000"/>
+                    </a:solidFill>
+                  </a:rPr>
+                  <a:t>Целевая функция </a:t>
+                </a:r>
+                <a14:m>
+                  <m:oMath xmlns:m="http://schemas.openxmlformats.org/officeDocument/2006/math">
+                    <m:r>
+                      <a:rPr lang="en-US" sz="2800" i="1">
+                        <a:solidFill>
+                          <a:srgbClr val="C00000"/>
+                        </a:solidFill>
+                        <a:latin typeface="Cambria Math" panose="02040503050406030204" pitchFamily="18" charset="0"/>
+                      </a:rPr>
+                      <m:t>𝑔</m:t>
+                    </m:r>
+                    <m:d>
+                      <m:dPr>
+                        <m:ctrlPr>
+                          <a:rPr lang="ru-RU" sz="2800" i="1">
+                            <a:solidFill>
+                              <a:srgbClr val="C00000"/>
+                            </a:solidFill>
+                            <a:latin typeface="Cambria Math" panose="02040503050406030204" pitchFamily="18" charset="0"/>
+                          </a:rPr>
+                        </m:ctrlPr>
+                      </m:dPr>
+                      <m:e>
+                        <m:r>
+                          <a:rPr lang="en-US" sz="2800" i="1">
+                            <a:solidFill>
+                              <a:srgbClr val="C00000"/>
+                            </a:solidFill>
+                            <a:latin typeface="Cambria Math" panose="02040503050406030204" pitchFamily="18" charset="0"/>
+                          </a:rPr>
+                          <m:t>𝑥</m:t>
+                        </m:r>
+                      </m:e>
+                    </m:d>
+                  </m:oMath>
+                </a14:m>
+                <a:endParaRPr lang="ru-RU" sz="2800" dirty="0" smtClean="0">
+                  <a:solidFill>
+                    <a:srgbClr val="C00000"/>
+                  </a:solidFill>
+                </a:endParaRPr>
+              </a:p>
+              <a:p>
+                <a:pPr marL="914400" lvl="1" indent="-457200">
+                  <a:lnSpc>
+                    <a:spcPct val="150000"/>
+                  </a:lnSpc>
+                  <a:buFont typeface="+mj-lt"/>
+                  <a:buAutoNum type="arabicPeriod"/>
+                </a:pPr>
+                <a:r>
+                  <a:rPr lang="ru-RU" sz="2400" dirty="0" smtClean="0"/>
+                  <a:t>Выбор </a:t>
+                </a:r>
+                <a14:m>
+                  <m:oMath xmlns:m="http://schemas.openxmlformats.org/officeDocument/2006/math">
+                    <m:r>
+                      <a:rPr lang="en-US" sz="2400" i="1">
+                        <a:latin typeface="Cambria Math" panose="02040503050406030204" pitchFamily="18" charset="0"/>
+                      </a:rPr>
+                      <m:t>𝐾</m:t>
+                    </m:r>
+                    <m:r>
+                      <a:rPr lang="ru-RU" sz="2400" i="1">
+                        <a:latin typeface="Cambria Math" panose="02040503050406030204" pitchFamily="18" charset="0"/>
+                      </a:rPr>
+                      <m:t>≤</m:t>
+                    </m:r>
+                    <m:r>
+                      <a:rPr lang="en-US" sz="2400" i="1">
+                        <a:latin typeface="Cambria Math" panose="02040503050406030204" pitchFamily="18" charset="0"/>
+                      </a:rPr>
+                      <m:t>𝑁</m:t>
+                    </m:r>
+                  </m:oMath>
+                </a14:m>
+                <a:r>
+                  <a:rPr lang="ru-RU" sz="2400" dirty="0"/>
+                  <a:t> атомов </a:t>
+                </a:r>
+                <a:endParaRPr lang="en-US" sz="2400" dirty="0" smtClean="0"/>
+              </a:p>
+              <a:p>
+                <a:pPr marL="914400" lvl="1" indent="-457200">
+                  <a:lnSpc>
+                    <a:spcPct val="150000"/>
+                  </a:lnSpc>
+                  <a:buFont typeface="+mj-lt"/>
+                  <a:buAutoNum type="arabicPeriod"/>
+                </a:pPr>
+                <a:r>
+                  <a:rPr lang="ru-RU" sz="2400" dirty="0" smtClean="0"/>
+                  <a:t>Начальная конформация</a:t>
+                </a:r>
+              </a:p>
+              <a:p>
+                <a:pPr marL="914400" lvl="1" indent="-457200">
+                  <a:lnSpc>
+                    <a:spcPct val="150000"/>
+                  </a:lnSpc>
+                  <a:buFont typeface="+mj-lt"/>
+                  <a:buAutoNum type="arabicPeriod" startAt="2"/>
+                </a:pPr>
+                <a:r>
+                  <a:rPr lang="ru-RU" sz="2400" dirty="0" smtClean="0"/>
+                  <a:t>Алгоритм развития</a:t>
+                </a:r>
+              </a:p>
+              <a:p>
+                <a:pPr marL="914400" lvl="1" indent="-457200">
+                  <a:lnSpc>
+                    <a:spcPct val="150000"/>
+                  </a:lnSpc>
+                  <a:buFont typeface="+mj-lt"/>
+                  <a:buAutoNum type="arabicPeriod" startAt="2"/>
+                </a:pPr>
+                <a:r>
+                  <a:rPr lang="ru-RU" sz="2400" dirty="0" smtClean="0"/>
+                  <a:t>Потенциал Морса</a:t>
+                </a:r>
+              </a:p>
+              <a:p>
+                <a:pPr marL="914400" lvl="1" indent="-457200">
+                  <a:lnSpc>
+                    <a:spcPct val="150000"/>
+                  </a:lnSpc>
+                  <a:buFont typeface="+mj-lt"/>
+                  <a:buAutoNum type="arabicPeriod" startAt="2"/>
+                </a:pPr>
+                <a:r>
+                  <a:rPr lang="ru-RU" sz="2400" dirty="0" smtClean="0"/>
+                  <a:t>Значение целевой функции</a:t>
+                </a:r>
+              </a:p>
+              <a:p>
+                <a:endParaRPr lang="ru-RU" dirty="0"/>
+              </a:p>
+            </p:txBody>
+          </p:sp>
+        </mc:Choice>
+        <mc:Fallback>
+          <p:sp>
+            <p:nvSpPr>
+              <p:cNvPr id="6" name="Объект 4"/>
+              <p:cNvSpPr>
+                <a:spLocks noGrp="1" noRot="1" noChangeAspect="1" noMove="1" noResize="1" noEditPoints="1" noAdjustHandles="1" noChangeArrowheads="1" noChangeShapeType="1" noTextEdit="1"/>
+              </p:cNvSpPr>
+              <p:nvPr>
+                <p:ph sz="half" idx="2"/>
+              </p:nvPr>
+            </p:nvSpPr>
+            <p:spPr>
+              <a:xfrm>
+                <a:off x="6172200" y="1825625"/>
+                <a:ext cx="4983480" cy="4351338"/>
+              </a:xfrm>
+              <a:blipFill rotWithShape="0">
+                <a:blip r:embed="rId3"/>
+                <a:stretch>
+                  <a:fillRect l="-2203" t="-2241"/>
+                </a:stretch>
+              </a:blipFill>
+              <a:ln>
+                <a:noFill/>
+              </a:ln>
+            </p:spPr>
+            <p:txBody>
+              <a:bodyPr/>
+              <a:lstStyle/>
+              <a:p>
+                <a:r>
+                  <a:rPr lang="ru-RU">
+                    <a:noFill/>
+                  </a:rPr>
+                  <a:t> </a:t>
+                </a:r>
+              </a:p>
+            </p:txBody>
+          </p:sp>
+        </mc:Fallback>
+      </mc:AlternateContent>
+      <p:pic>
+        <p:nvPicPr>
+          <p:cNvPr id="7" name="Рисунок 6" descr="D:\Google Disk Files\ДИССЕРТАЦИЯ\глава 3\материалы\abStrongin.png"/>
+          <p:cNvPicPr/>
+          <p:nvPr/>
+        </p:nvPicPr>
+        <p:blipFill>
+          <a:blip r:embed="rId4">
+            <a:extLst>
+              <a:ext uri="{28A0092B-C50C-407E-A947-70E740481C1C}">
+                <a14:useLocalDpi xmlns:a14="http://schemas.microsoft.com/office/drawing/2010/main" val="0"/>
+              </a:ext>
+            </a:extLst>
+          </a:blip>
+          <a:srcRect/>
+          <a:stretch>
+            <a:fillRect/>
+          </a:stretch>
+        </p:blipFill>
+        <p:spPr bwMode="auto">
+          <a:xfrm>
+            <a:off x="1826069" y="2473458"/>
+            <a:ext cx="2441743" cy="2087608"/>
+          </a:xfrm>
+          <a:prstGeom prst="rect">
+            <a:avLst/>
+          </a:prstGeom>
+          <a:noFill/>
+          <a:ln>
+            <a:noFill/>
+          </a:ln>
+        </p:spPr>
+      </p:pic>
+      <mc:AlternateContent xmlns:mc="http://schemas.openxmlformats.org/markup-compatibility/2006">
+        <mc:Choice xmlns:a14="http://schemas.microsoft.com/office/drawing/2010/main" Requires="a14">
+          <p:sp>
+            <p:nvSpPr>
+              <p:cNvPr id="4" name="Прямоугольник 3"/>
+              <p:cNvSpPr/>
+              <p:nvPr/>
+            </p:nvSpPr>
+            <p:spPr>
+              <a:xfrm>
+                <a:off x="1097281" y="4601476"/>
+                <a:ext cx="4389121" cy="1600438"/>
+              </a:xfrm>
+              <a:prstGeom prst="rect">
+                <a:avLst/>
+              </a:prstGeom>
+            </p:spPr>
+            <p:txBody>
+              <a:bodyPr wrap="square">
+                <a:spAutoFit/>
+              </a:bodyPr>
+              <a:lstStyle/>
+              <a:p>
+                <a:pPr>
+                  <a:spcBef>
+                    <a:spcPts val="600"/>
+                  </a:spcBef>
+                </a:pPr>
+                <a14:m>
+                  <m:oMath xmlns:m="http://schemas.openxmlformats.org/officeDocument/2006/math">
+                    <m:r>
+                      <a:rPr lang="en-US" sz="2000" b="1" i="1" dirty="0">
+                        <a:latin typeface="Cambria Math" panose="02040503050406030204" pitchFamily="18" charset="0"/>
+                      </a:rPr>
+                      <m:t>𝑵</m:t>
+                    </m:r>
+                  </m:oMath>
+                </a14:m>
+                <a:r>
+                  <a:rPr lang="en-US" sz="2000" i="1" dirty="0"/>
+                  <a:t> – </a:t>
+                </a:r>
+                <a:r>
+                  <a:rPr lang="ru-RU" sz="2000" i="1" dirty="0"/>
+                  <a:t>размер искомой конформации</a:t>
+                </a:r>
+              </a:p>
+              <a:p>
+                <a:pPr>
+                  <a:spcBef>
+                    <a:spcPts val="600"/>
+                  </a:spcBef>
+                </a:pPr>
+                <a14:m>
+                  <m:oMath xmlns:m="http://schemas.openxmlformats.org/officeDocument/2006/math">
+                    <m:r>
+                      <a:rPr lang="en-US" sz="2000" b="1" i="1" dirty="0">
+                        <a:latin typeface="Cambria Math" panose="02040503050406030204" pitchFamily="18" charset="0"/>
+                      </a:rPr>
+                      <m:t>𝑴</m:t>
+                    </m:r>
+                  </m:oMath>
+                </a14:m>
+                <a:r>
+                  <a:rPr lang="en-US" sz="2000" i="1" dirty="0"/>
+                  <a:t> – </a:t>
+                </a:r>
+                <a:r>
+                  <a:rPr lang="ru-RU" sz="2000" i="1" dirty="0"/>
+                  <a:t>размер решетки </a:t>
+                </a:r>
+                <a:r>
+                  <a:rPr lang="ru-RU" sz="2000" i="1" dirty="0" smtClean="0"/>
+                  <a:t>атомов</a:t>
+                </a:r>
+              </a:p>
+              <a:p>
+                <a:pPr>
+                  <a:spcBef>
+                    <a:spcPts val="600"/>
+                  </a:spcBef>
+                </a:pPr>
+                <a:endParaRPr lang="ru-RU" sz="2000" i="1" dirty="0"/>
+              </a:p>
+              <a:p>
+                <a:r>
+                  <a:rPr lang="ru-RU" sz="2800" dirty="0">
+                    <a:solidFill>
+                      <a:srgbClr val="C00000"/>
+                    </a:solidFill>
+                  </a:rPr>
+                  <a:t>Критерий остановки</a:t>
+                </a:r>
+                <a:endParaRPr lang="ru-RU" sz="2800" dirty="0">
+                  <a:solidFill>
+                    <a:srgbClr val="C00000"/>
+                  </a:solidFill>
+                </a:endParaRPr>
+              </a:p>
+            </p:txBody>
+          </p:sp>
+        </mc:Choice>
+        <mc:Fallback>
+          <p:sp>
+            <p:nvSpPr>
+              <p:cNvPr id="4" name="Прямоугольник 3"/>
+              <p:cNvSpPr>
+                <a:spLocks noRot="1" noChangeAspect="1" noMove="1" noResize="1" noEditPoints="1" noAdjustHandles="1" noChangeArrowheads="1" noChangeShapeType="1" noTextEdit="1"/>
+              </p:cNvSpPr>
+              <p:nvPr/>
+            </p:nvSpPr>
+            <p:spPr>
+              <a:xfrm>
+                <a:off x="1097281" y="4601476"/>
+                <a:ext cx="4389121" cy="1600438"/>
+              </a:xfrm>
+              <a:prstGeom prst="rect">
+                <a:avLst/>
+              </a:prstGeom>
+              <a:blipFill rotWithShape="0">
+                <a:blip r:embed="rId5"/>
+                <a:stretch>
+                  <a:fillRect l="-2778" t="-2290" b="-10305"/>
+                </a:stretch>
+              </a:blipFill>
+            </p:spPr>
+            <p:txBody>
+              <a:bodyPr/>
+              <a:lstStyle/>
+              <a:p>
+                <a:r>
+                  <a:rPr lang="ru-RU">
+                    <a:noFill/>
+                  </a:rPr>
+                  <a:t> </a:t>
+                </a:r>
+              </a:p>
+            </p:txBody>
+          </p:sp>
+        </mc:Fallback>
+      </mc:AlternateContent>
     </p:spTree>
     <p:extLst>
       <p:ext uri="{BB962C8B-B14F-4D97-AF65-F5344CB8AC3E}">
@@ -4315,39 +4851,6 @@
           </a:prstGeom>
         </p:spPr>
       </p:pic>
-      <p:pic>
-        <p:nvPicPr>
-          <p:cNvPr id="5" name="Рисунок 4" descr="D:\Google Disk Files\ДИССЕРТАЦИЯ\глава 3\growAlg0.png"/>
-          <p:cNvPicPr/>
-          <p:nvPr/>
-        </p:nvPicPr>
-        <p:blipFill>
-          <a:blip r:embed="rId3">
-            <a:extLst>
-              <a:ext uri="{28A0092B-C50C-407E-A947-70E740481C1C}">
-                <a14:useLocalDpi xmlns:a14="http://schemas.microsoft.com/office/drawing/2010/main" val="0"/>
-              </a:ext>
-            </a:extLst>
-          </a:blip>
-          <a:srcRect/>
-          <a:stretch>
-            <a:fillRect/>
-          </a:stretch>
-        </p:blipFill>
-        <p:spPr bwMode="auto">
-          <a:xfrm>
-            <a:off x="6270171" y="469491"/>
-            <a:ext cx="5264150" cy="5681345"/>
-          </a:xfrm>
-          <a:prstGeom prst="rect">
-            <a:avLst/>
-          </a:prstGeom>
-          <a:noFill/>
-          <a:ln>
-            <a:noFill/>
-          </a:ln>
-        </p:spPr>
-      </p:pic>
       <p:sp>
         <p:nvSpPr>
           <p:cNvPr id="3" name="Нижний колонтитул 2"/>
@@ -4371,6 +4874,36 @@
           </a:p>
         </p:txBody>
       </p:sp>
+      <p:pic>
+        <p:nvPicPr>
+          <p:cNvPr id="6" name="Рисунок 5"/>
+          <p:cNvPicPr>
+            <a:picLocks noChangeAspect="1"/>
+          </p:cNvPicPr>
+          <p:nvPr/>
+        </p:nvPicPr>
+        <p:blipFill>
+          <a:blip r:embed="rId3">
+            <a:extLst>
+              <a:ext uri="{28A0092B-C50C-407E-A947-70E740481C1C}">
+                <a14:useLocalDpi xmlns:a14="http://schemas.microsoft.com/office/drawing/2010/main" val="0"/>
+              </a:ext>
+            </a:extLst>
+          </a:blip>
+          <a:stretch>
+            <a:fillRect/>
+          </a:stretch>
+        </p:blipFill>
+        <p:spPr>
+          <a:xfrm>
+            <a:off x="6019800" y="581298"/>
+            <a:ext cx="5596944" cy="5333068"/>
+          </a:xfrm>
+          <a:prstGeom prst="rect">
+            <a:avLst/>
+          </a:prstGeom>
+        </p:spPr>
+      </p:pic>
     </p:spTree>
     <p:extLst>
       <p:ext uri="{BB962C8B-B14F-4D97-AF65-F5344CB8AC3E}">
@@ -4762,30 +5295,52 @@
         </p:nvSpPr>
         <p:spPr>
           <a:xfrm>
-            <a:off x="180976" y="3969767"/>
-            <a:ext cx="5162550" cy="1397424"/>
+            <a:off x="180976" y="4497270"/>
+            <a:ext cx="9516816" cy="1397424"/>
           </a:xfrm>
         </p:spPr>
         <p:txBody>
-          <a:bodyPr/>
+          <a:bodyPr>
+            <a:normAutofit/>
+          </a:bodyPr>
           <a:lstStyle/>
           <a:p>
             <a:r>
               <a:rPr lang="ru-RU" dirty="0" smtClean="0"/>
-              <a:t>Полиномиальная </a:t>
-            </a:r>
-            <a:r>
-              <a:rPr lang="ru-RU" dirty="0" smtClean="0"/>
-              <a:t>сложность</a:t>
+              <a:t>Полиномиальная сложность</a:t>
             </a:r>
             <a:endParaRPr lang="en-US" dirty="0" smtClean="0"/>
           </a:p>
           <a:p>
             <a:r>
-              <a:rPr lang="en-US" dirty="0"/>
-              <a:t>L-BFGS</a:t>
-            </a:r>
-            <a:endParaRPr lang="ru-RU" dirty="0" smtClean="0"/>
+              <a:rPr lang="en-US" dirty="0" smtClean="0"/>
+              <a:t>L-BFGS </a:t>
+            </a:r>
+            <a:r>
+              <a:rPr lang="en-US" sz="2000" dirty="0" smtClean="0"/>
+              <a:t>(</a:t>
+            </a:r>
+            <a:r>
+              <a:rPr lang="en-US" sz="2000" i="1" dirty="0"/>
+              <a:t>Limited-memory </a:t>
+            </a:r>
+            <a:r>
+              <a:rPr lang="en-US" sz="2000" i="1" dirty="0" err="1"/>
+              <a:t>Broyden</a:t>
+            </a:r>
+            <a:r>
+              <a:rPr lang="en-US" sz="2000" i="1" dirty="0"/>
+              <a:t>–Fletcher–Goldfarb–</a:t>
+            </a:r>
+            <a:r>
+              <a:rPr lang="en-US" sz="2000" i="1" dirty="0" err="1"/>
+              <a:t>Shanno</a:t>
+            </a:r>
+            <a:r>
+              <a:rPr lang="en-US" sz="2000" dirty="0" smtClean="0"/>
+              <a:t>)</a:t>
+            </a:r>
+            <a:endParaRPr lang="ru-RU" sz="2000" dirty="0" smtClean="0"/>
           </a:p>
         </p:txBody>
       </p:sp>
@@ -4805,10 +5360,18 @@
           <a:lstStyle/>
           <a:p>
             <a:r>
-              <a:rPr lang="ru-RU" smtClean="0"/>
-              <a:t>Эвристический алгоритм поиска глобально-оптимальной конформации атомного кластера Морса, Шашов К.В.</a:t>
-            </a:r>
-            <a:endParaRPr lang="ru-RU"/>
+              <a:rPr lang="ru-RU" dirty="0" smtClean="0"/>
+              <a:t>Эвристический алгоритм поиска глобально-оптимальной конформации атомного кластера Морса, </a:t>
+            </a:r>
+            <a:r>
+              <a:rPr lang="ru-RU" dirty="0" err="1" smtClean="0"/>
+              <a:t>Шашов</a:t>
+            </a:r>
+            <a:r>
+              <a:rPr lang="ru-RU" dirty="0" smtClean="0"/>
+              <a:t> К.В.</a:t>
+            </a:r>
+            <a:endParaRPr lang="ru-RU" dirty="0"/>
           </a:p>
         </p:txBody>
       </p:sp>
@@ -6295,8 +6858,8 @@
         </p:blipFill>
         <p:spPr>
           <a:xfrm>
-            <a:off x="880207" y="1758044"/>
-            <a:ext cx="2686050" cy="676275"/>
+            <a:off x="724185" y="1713596"/>
+            <a:ext cx="3003084" cy="756096"/>
           </a:xfrm>
           <a:prstGeom prst="rect">
             <a:avLst/>
@@ -6462,48 +7025,1518 @@
           </a:p>
         </p:txBody>
       </p:sp>
-      <p:sp>
-        <p:nvSpPr>
-          <p:cNvPr id="3" name="Объект 2"/>
-          <p:cNvSpPr>
-            <a:spLocks noGrp="1"/>
-          </p:cNvSpPr>
-          <p:nvPr>
-            <p:ph sz="half" idx="1"/>
-          </p:nvPr>
-        </p:nvSpPr>
-        <p:spPr/>
-        <p:txBody>
-          <a:bodyPr/>
-          <a:lstStyle/>
-          <a:p>
-            <a:r>
-              <a:rPr lang="ru-RU" dirty="0" smtClean="0"/>
-              <a:t>Малые конформации</a:t>
-            </a:r>
-            <a:endParaRPr lang="ru-RU" dirty="0"/>
-          </a:p>
-        </p:txBody>
-      </p:sp>
-      <p:sp>
-        <p:nvSpPr>
-          <p:cNvPr id="4" name="Объект 3"/>
-          <p:cNvSpPr>
-            <a:spLocks noGrp="1"/>
-          </p:cNvSpPr>
-          <p:nvPr>
-            <p:ph sz="half" idx="2"/>
-          </p:nvPr>
-        </p:nvSpPr>
-        <p:spPr/>
-        <p:txBody>
-          <a:bodyPr/>
-          <a:lstStyle/>
-          <a:p>
-            <a:endParaRPr lang="ru-RU" dirty="0"/>
-          </a:p>
-        </p:txBody>
-      </p:sp>
+      <mc:AlternateContent xmlns:mc="http://schemas.openxmlformats.org/markup-compatibility/2006">
+        <mc:Choice xmlns:a14="http://schemas.microsoft.com/office/drawing/2010/main" Requires="a14">
+          <p:graphicFrame>
+            <p:nvGraphicFramePr>
+              <p:cNvPr id="7" name="Объект 6"/>
+              <p:cNvGraphicFramePr>
+                <a:graphicFrameLocks noGrp="1"/>
+              </p:cNvGraphicFramePr>
+              <p:nvPr>
+                <p:ph sz="half" idx="2"/>
+                <p:extLst>
+                  <p:ext uri="{D42A27DB-BD31-4B8C-83A1-F6EECF244321}">
+                    <p14:modId xmlns:p14="http://schemas.microsoft.com/office/powerpoint/2010/main" val="1529067354"/>
+                  </p:ext>
+                </p:extLst>
+              </p:nvPr>
+            </p:nvGraphicFramePr>
+            <p:xfrm>
+              <a:off x="385011" y="1690688"/>
+              <a:ext cx="2246812" cy="4273037"/>
+            </p:xfrm>
+            <a:graphic>
+              <a:graphicData uri="http://schemas.openxmlformats.org/drawingml/2006/table">
+                <a:tbl>
+                  <a:tblPr firstRow="1" firstCol="1" lastCol="1" bandRow="1" bandCol="1">
+                    <a:tableStyleId>{C083E6E3-FA7D-4D7B-A595-EF9225AFEA82}</a:tableStyleId>
+                  </a:tblPr>
+                  <a:tblGrid>
+                    <a:gridCol w="318887"/>
+                    <a:gridCol w="1927925"/>
+                  </a:tblGrid>
+                  <a:tr h="358293">
+                    <a:tc>
+                      <a:txBody>
+                        <a:bodyPr/>
+                        <a:lstStyle/>
+                        <a:p>
+                          <a:pPr algn="ctr">
+                            <a:lnSpc>
+                              <a:spcPct val="150000"/>
+                            </a:lnSpc>
+                            <a:spcAft>
+                              <a:spcPts val="0"/>
+                            </a:spcAft>
+                          </a:pPr>
+                          <a14:m>
+                            <m:oMathPara xmlns:m="http://schemas.openxmlformats.org/officeDocument/2006/math">
+                              <m:oMathParaPr>
+                                <m:jc m:val="centerGroup"/>
+                              </m:oMathParaPr>
+                              <m:oMath xmlns:m="http://schemas.openxmlformats.org/officeDocument/2006/math">
+                                <m:r>
+                                  <m:rPr>
+                                    <m:sty m:val="p"/>
+                                  </m:rPr>
+                                  <a:rPr lang="en-US" sz="1600" b="0" i="0">
+                                    <a:effectLst/>
+                                  </a:rPr>
+                                  <m:t>N</m:t>
+                                </m:r>
+                              </m:oMath>
+                            </m:oMathPara>
+                          </a14:m>
+                          <a:endParaRPr lang="ru-RU" sz="1600" b="0" i="0" dirty="0">
+                            <a:effectLst/>
+                            <a:latin typeface="Times New Roman" panose="02020603050405020304" pitchFamily="18" charset="0"/>
+                            <a:ea typeface="Times New Roman" panose="02020603050405020304" pitchFamily="18" charset="0"/>
+                            <a:cs typeface="Times New Roman" panose="02020603050405020304" pitchFamily="18" charset="0"/>
+                          </a:endParaRPr>
+                        </a:p>
+                      </a:txBody>
+                      <a:tcPr marL="48564" marR="48564" marT="0" marB="0"/>
+                    </a:tc>
+                    <a:tc>
+                      <a:txBody>
+                        <a:bodyPr/>
+                        <a:lstStyle/>
+                        <a:p>
+                          <a:pPr algn="ctr">
+                            <a:lnSpc>
+                              <a:spcPct val="150000"/>
+                            </a:lnSpc>
+                            <a:spcAft>
+                              <a:spcPts val="0"/>
+                            </a:spcAft>
+                          </a:pPr>
+                          <a14:m>
+                            <m:oMathPara xmlns:m="http://schemas.openxmlformats.org/officeDocument/2006/math">
+                              <m:oMathParaPr>
+                                <m:jc m:val="centerGroup"/>
+                              </m:oMathParaPr>
+                              <m:oMath xmlns:m="http://schemas.openxmlformats.org/officeDocument/2006/math">
+                                <m:r>
+                                  <m:rPr>
+                                    <m:sty m:val="p"/>
+                                  </m:rPr>
+                                  <a:rPr lang="ru-RU" sz="1600" b="0" i="0">
+                                    <a:effectLst/>
+                                  </a:rPr>
+                                  <m:t>E</m:t>
+                                </m:r>
+                              </m:oMath>
+                            </m:oMathPara>
+                          </a14:m>
+                          <a:endParaRPr lang="ru-RU" sz="1600" b="0" i="0" dirty="0">
+                            <a:effectLst/>
+                            <a:latin typeface="Times New Roman" panose="02020603050405020304" pitchFamily="18" charset="0"/>
+                            <a:ea typeface="Times New Roman" panose="02020603050405020304" pitchFamily="18" charset="0"/>
+                            <a:cs typeface="Times New Roman" panose="02020603050405020304" pitchFamily="18" charset="0"/>
+                          </a:endParaRPr>
+                        </a:p>
+                      </a:txBody>
+                      <a:tcPr marL="48564" marR="48564" marT="0" marB="0"/>
+                    </a:tc>
+                  </a:tr>
+                  <a:tr h="355207">
+                    <a:tc>
+                      <a:txBody>
+                        <a:bodyPr/>
+                        <a:lstStyle/>
+                        <a:p>
+                          <a:pPr>
+                            <a:lnSpc>
+                              <a:spcPct val="150000"/>
+                            </a:lnSpc>
+                            <a:spcAft>
+                              <a:spcPts val="0"/>
+                            </a:spcAft>
+                          </a:pPr>
+                          <a:r>
+                            <a:rPr lang="ru-RU" sz="1400" b="1" dirty="0">
+                              <a:effectLst/>
+                            </a:rPr>
+                            <a:t>10</a:t>
+                          </a:r>
+                          <a:endParaRPr lang="ru-RU" sz="1400" b="1" dirty="0">
+                            <a:effectLst/>
+                            <a:latin typeface="Times New Roman" panose="02020603050405020304" pitchFamily="18" charset="0"/>
+                            <a:ea typeface="Times New Roman" panose="02020603050405020304" pitchFamily="18" charset="0"/>
+                            <a:cs typeface="Times New Roman" panose="02020603050405020304" pitchFamily="18" charset="0"/>
+                          </a:endParaRPr>
+                        </a:p>
+                      </a:txBody>
+                      <a:tcPr marL="48564" marR="48564" marT="0" marB="0"/>
+                    </a:tc>
+                    <a:tc>
+                      <a:txBody>
+                        <a:bodyPr/>
+                        <a:lstStyle/>
+                        <a:p>
+                          <a:pPr algn="just">
+                            <a:lnSpc>
+                              <a:spcPct val="150000"/>
+                            </a:lnSpc>
+                            <a:spcAft>
+                              <a:spcPts val="0"/>
+                            </a:spcAft>
+                          </a:pPr>
+                          <a:r>
+                            <a:rPr lang="ru-RU" sz="1400" b="0" dirty="0">
+                              <a:effectLst/>
+                            </a:rPr>
+                            <a:t>-26.132735234616742</a:t>
+                          </a:r>
+                          <a:endParaRPr lang="ru-RU" sz="1400" b="0" dirty="0">
+                            <a:effectLst/>
+                            <a:latin typeface="Times New Roman" panose="02020603050405020304" pitchFamily="18" charset="0"/>
+                            <a:ea typeface="Calibri" panose="020F0502020204030204" pitchFamily="34" charset="0"/>
+                            <a:cs typeface="Times New Roman" panose="02020603050405020304" pitchFamily="18" charset="0"/>
+                          </a:endParaRPr>
+                        </a:p>
+                      </a:txBody>
+                      <a:tcPr marL="48564" marR="48564" marT="0" marB="0"/>
+                    </a:tc>
+                  </a:tr>
+                  <a:tr h="355207">
+                    <a:tc>
+                      <a:txBody>
+                        <a:bodyPr/>
+                        <a:lstStyle/>
+                        <a:p>
+                          <a:pPr>
+                            <a:lnSpc>
+                              <a:spcPct val="150000"/>
+                            </a:lnSpc>
+                            <a:spcAft>
+                              <a:spcPts val="0"/>
+                            </a:spcAft>
+                          </a:pPr>
+                          <a:r>
+                            <a:rPr lang="ru-RU" sz="1400" b="1" dirty="0">
+                              <a:effectLst/>
+                            </a:rPr>
+                            <a:t>11</a:t>
+                          </a:r>
+                          <a:endParaRPr lang="ru-RU" sz="1400" b="1" dirty="0">
+                            <a:effectLst/>
+                            <a:latin typeface="Times New Roman" panose="02020603050405020304" pitchFamily="18" charset="0"/>
+                            <a:ea typeface="Times New Roman" panose="02020603050405020304" pitchFamily="18" charset="0"/>
+                            <a:cs typeface="Times New Roman" panose="02020603050405020304" pitchFamily="18" charset="0"/>
+                          </a:endParaRPr>
+                        </a:p>
+                      </a:txBody>
+                      <a:tcPr marL="48564" marR="48564" marT="0" marB="0"/>
+                    </a:tc>
+                    <a:tc>
+                      <a:txBody>
+                        <a:bodyPr/>
+                        <a:lstStyle/>
+                        <a:p>
+                          <a:pPr algn="just">
+                            <a:lnSpc>
+                              <a:spcPct val="150000"/>
+                            </a:lnSpc>
+                            <a:spcAft>
+                              <a:spcPts val="0"/>
+                            </a:spcAft>
+                          </a:pPr>
+                          <a:r>
+                            <a:rPr lang="en-US" sz="1400" b="0" dirty="0">
+                              <a:effectLst/>
+                            </a:rPr>
+                            <a:t>-29.596054324057125</a:t>
+                          </a:r>
+                          <a:endParaRPr lang="ru-RU" sz="1400" b="0" dirty="0">
+                            <a:effectLst/>
+                            <a:latin typeface="Times New Roman" panose="02020603050405020304" pitchFamily="18" charset="0"/>
+                            <a:ea typeface="Calibri" panose="020F0502020204030204" pitchFamily="34" charset="0"/>
+                            <a:cs typeface="Times New Roman" panose="02020603050405020304" pitchFamily="18" charset="0"/>
+                          </a:endParaRPr>
+                        </a:p>
+                      </a:txBody>
+                      <a:tcPr marL="48564" marR="48564" marT="0" marB="0"/>
+                    </a:tc>
+                  </a:tr>
+                  <a:tr h="355207">
+                    <a:tc>
+                      <a:txBody>
+                        <a:bodyPr/>
+                        <a:lstStyle/>
+                        <a:p>
+                          <a:pPr>
+                            <a:lnSpc>
+                              <a:spcPct val="150000"/>
+                            </a:lnSpc>
+                            <a:spcAft>
+                              <a:spcPts val="0"/>
+                            </a:spcAft>
+                          </a:pPr>
+                          <a:r>
+                            <a:rPr lang="ru-RU" sz="1400" b="1" dirty="0">
+                              <a:effectLst/>
+                            </a:rPr>
+                            <a:t>12</a:t>
+                          </a:r>
+                          <a:endParaRPr lang="ru-RU" sz="1400" b="1" dirty="0">
+                            <a:effectLst/>
+                            <a:latin typeface="Times New Roman" panose="02020603050405020304" pitchFamily="18" charset="0"/>
+                            <a:ea typeface="Times New Roman" panose="02020603050405020304" pitchFamily="18" charset="0"/>
+                            <a:cs typeface="Times New Roman" panose="02020603050405020304" pitchFamily="18" charset="0"/>
+                          </a:endParaRPr>
+                        </a:p>
+                      </a:txBody>
+                      <a:tcPr marL="48564" marR="48564" marT="0" marB="0"/>
+                    </a:tc>
+                    <a:tc>
+                      <a:txBody>
+                        <a:bodyPr/>
+                        <a:lstStyle/>
+                        <a:p>
+                          <a:pPr algn="just">
+                            <a:lnSpc>
+                              <a:spcPct val="150000"/>
+                            </a:lnSpc>
+                            <a:spcAft>
+                              <a:spcPts val="0"/>
+                            </a:spcAft>
+                          </a:pPr>
+                          <a:r>
+                            <a:rPr lang="ru-RU" sz="1400" b="0" dirty="0">
+                              <a:effectLst/>
+                            </a:rPr>
+                            <a:t>-33.33230475638694</a:t>
+                          </a:r>
+                          <a:endParaRPr lang="ru-RU" sz="1400" b="0" dirty="0">
+                            <a:effectLst/>
+                            <a:latin typeface="Times New Roman" panose="02020603050405020304" pitchFamily="18" charset="0"/>
+                            <a:ea typeface="Calibri" panose="020F0502020204030204" pitchFamily="34" charset="0"/>
+                            <a:cs typeface="Times New Roman" panose="02020603050405020304" pitchFamily="18" charset="0"/>
+                          </a:endParaRPr>
+                        </a:p>
+                      </a:txBody>
+                      <a:tcPr marL="48564" marR="48564" marT="0" marB="0"/>
+                    </a:tc>
+                  </a:tr>
+                  <a:tr h="355207">
+                    <a:tc>
+                      <a:txBody>
+                        <a:bodyPr/>
+                        <a:lstStyle/>
+                        <a:p>
+                          <a:pPr>
+                            <a:lnSpc>
+                              <a:spcPct val="150000"/>
+                            </a:lnSpc>
+                            <a:spcAft>
+                              <a:spcPts val="0"/>
+                            </a:spcAft>
+                          </a:pPr>
+                          <a:r>
+                            <a:rPr lang="ru-RU" sz="1400" b="1" dirty="0">
+                              <a:effectLst/>
+                            </a:rPr>
+                            <a:t>13</a:t>
+                          </a:r>
+                          <a:endParaRPr lang="ru-RU" sz="1400" b="1" dirty="0">
+                            <a:effectLst/>
+                            <a:latin typeface="Times New Roman" panose="02020603050405020304" pitchFamily="18" charset="0"/>
+                            <a:ea typeface="Times New Roman" panose="02020603050405020304" pitchFamily="18" charset="0"/>
+                            <a:cs typeface="Times New Roman" panose="02020603050405020304" pitchFamily="18" charset="0"/>
+                          </a:endParaRPr>
+                        </a:p>
+                      </a:txBody>
+                      <a:tcPr marL="48564" marR="48564" marT="0" marB="0"/>
+                    </a:tc>
+                    <a:tc>
+                      <a:txBody>
+                        <a:bodyPr/>
+                        <a:lstStyle/>
+                        <a:p>
+                          <a:pPr algn="just">
+                            <a:lnSpc>
+                              <a:spcPct val="150000"/>
+                            </a:lnSpc>
+                            <a:spcAft>
+                              <a:spcPts val="0"/>
+                            </a:spcAft>
+                          </a:pPr>
+                          <a:r>
+                            <a:rPr lang="ru-RU" sz="1400" b="0">
+                              <a:effectLst/>
+                            </a:rPr>
+                            <a:t>-37.25887680231351</a:t>
+                          </a:r>
+                          <a:endParaRPr lang="ru-RU" sz="1400" b="0">
+                            <a:effectLst/>
+                            <a:latin typeface="Times New Roman" panose="02020603050405020304" pitchFamily="18" charset="0"/>
+                            <a:ea typeface="Calibri" panose="020F0502020204030204" pitchFamily="34" charset="0"/>
+                            <a:cs typeface="Times New Roman" panose="02020603050405020304" pitchFamily="18" charset="0"/>
+                          </a:endParaRPr>
+                        </a:p>
+                      </a:txBody>
+                      <a:tcPr marL="48564" marR="48564" marT="0" marB="0"/>
+                    </a:tc>
+                  </a:tr>
+                  <a:tr h="355207">
+                    <a:tc>
+                      <a:txBody>
+                        <a:bodyPr/>
+                        <a:lstStyle/>
+                        <a:p>
+                          <a:pPr>
+                            <a:lnSpc>
+                              <a:spcPct val="150000"/>
+                            </a:lnSpc>
+                            <a:spcAft>
+                              <a:spcPts val="0"/>
+                            </a:spcAft>
+                          </a:pPr>
+                          <a:r>
+                            <a:rPr lang="ru-RU" sz="1400" b="1" dirty="0">
+                              <a:effectLst/>
+                            </a:rPr>
+                            <a:t>14</a:t>
+                          </a:r>
+                          <a:endParaRPr lang="ru-RU" sz="1400" b="1" dirty="0">
+                            <a:effectLst/>
+                            <a:latin typeface="Times New Roman" panose="02020603050405020304" pitchFamily="18" charset="0"/>
+                            <a:ea typeface="Times New Roman" panose="02020603050405020304" pitchFamily="18" charset="0"/>
+                            <a:cs typeface="Times New Roman" panose="02020603050405020304" pitchFamily="18" charset="0"/>
+                          </a:endParaRPr>
+                        </a:p>
+                      </a:txBody>
+                      <a:tcPr marL="48564" marR="48564" marT="0" marB="0"/>
+                    </a:tc>
+                    <a:tc>
+                      <a:txBody>
+                        <a:bodyPr/>
+                        <a:lstStyle/>
+                        <a:p>
+                          <a:pPr algn="just">
+                            <a:lnSpc>
+                              <a:spcPct val="150000"/>
+                            </a:lnSpc>
+                            <a:spcAft>
+                              <a:spcPts val="0"/>
+                            </a:spcAft>
+                          </a:pPr>
+                          <a:r>
+                            <a:rPr lang="ru-RU" sz="1400" b="0">
+                              <a:effectLst/>
+                            </a:rPr>
+                            <a:t>-40.79834795841109</a:t>
+                          </a:r>
+                          <a:endParaRPr lang="ru-RU" sz="1400" b="0">
+                            <a:effectLst/>
+                            <a:latin typeface="Times New Roman" panose="02020603050405020304" pitchFamily="18" charset="0"/>
+                            <a:ea typeface="Calibri" panose="020F0502020204030204" pitchFamily="34" charset="0"/>
+                            <a:cs typeface="Times New Roman" panose="02020603050405020304" pitchFamily="18" charset="0"/>
+                          </a:endParaRPr>
+                        </a:p>
+                      </a:txBody>
+                      <a:tcPr marL="48564" marR="48564" marT="0" marB="0"/>
+                    </a:tc>
+                  </a:tr>
+                  <a:tr h="355207">
+                    <a:tc>
+                      <a:txBody>
+                        <a:bodyPr/>
+                        <a:lstStyle/>
+                        <a:p>
+                          <a:pPr>
+                            <a:lnSpc>
+                              <a:spcPct val="150000"/>
+                            </a:lnSpc>
+                            <a:spcAft>
+                              <a:spcPts val="0"/>
+                            </a:spcAft>
+                          </a:pPr>
+                          <a:r>
+                            <a:rPr lang="ru-RU" sz="1400" b="1" dirty="0">
+                              <a:effectLst/>
+                            </a:rPr>
+                            <a:t>15</a:t>
+                          </a:r>
+                          <a:endParaRPr lang="ru-RU" sz="1400" b="1" dirty="0">
+                            <a:effectLst/>
+                            <a:latin typeface="Times New Roman" panose="02020603050405020304" pitchFamily="18" charset="0"/>
+                            <a:ea typeface="Times New Roman" panose="02020603050405020304" pitchFamily="18" charset="0"/>
+                            <a:cs typeface="Times New Roman" panose="02020603050405020304" pitchFamily="18" charset="0"/>
+                          </a:endParaRPr>
+                        </a:p>
+                      </a:txBody>
+                      <a:tcPr marL="48564" marR="48564" marT="0" marB="0"/>
+                    </a:tc>
+                    <a:tc>
+                      <a:txBody>
+                        <a:bodyPr/>
+                        <a:lstStyle/>
+                        <a:p>
+                          <a:pPr algn="just">
+                            <a:lnSpc>
+                              <a:spcPct val="150000"/>
+                            </a:lnSpc>
+                            <a:spcAft>
+                              <a:spcPts val="0"/>
+                            </a:spcAft>
+                          </a:pPr>
+                          <a:r>
+                            <a:rPr lang="ru-RU" sz="1400" b="0" dirty="0">
+                              <a:effectLst/>
+                            </a:rPr>
+                            <a:t>-44.80643749849561</a:t>
+                          </a:r>
+                          <a:endParaRPr lang="ru-RU" sz="1400" b="0" dirty="0">
+                            <a:effectLst/>
+                            <a:latin typeface="Times New Roman" panose="02020603050405020304" pitchFamily="18" charset="0"/>
+                            <a:ea typeface="Calibri" panose="020F0502020204030204" pitchFamily="34" charset="0"/>
+                            <a:cs typeface="Times New Roman" panose="02020603050405020304" pitchFamily="18" charset="0"/>
+                          </a:endParaRPr>
+                        </a:p>
+                      </a:txBody>
+                      <a:tcPr marL="48564" marR="48564" marT="0" marB="0"/>
+                    </a:tc>
+                  </a:tr>
+                  <a:tr h="355207">
+                    <a:tc>
+                      <a:txBody>
+                        <a:bodyPr/>
+                        <a:lstStyle/>
+                        <a:p>
+                          <a:pPr>
+                            <a:lnSpc>
+                              <a:spcPct val="150000"/>
+                            </a:lnSpc>
+                            <a:spcAft>
+                              <a:spcPts val="0"/>
+                            </a:spcAft>
+                          </a:pPr>
+                          <a:r>
+                            <a:rPr lang="ru-RU" sz="1400" b="1" dirty="0">
+                              <a:effectLst/>
+                            </a:rPr>
+                            <a:t>20</a:t>
+                          </a:r>
+                          <a:endParaRPr lang="ru-RU" sz="1400" b="1" dirty="0">
+                            <a:effectLst/>
+                            <a:latin typeface="Times New Roman" panose="02020603050405020304" pitchFamily="18" charset="0"/>
+                            <a:ea typeface="Times New Roman" panose="02020603050405020304" pitchFamily="18" charset="0"/>
+                            <a:cs typeface="Times New Roman" panose="02020603050405020304" pitchFamily="18" charset="0"/>
+                          </a:endParaRPr>
+                        </a:p>
+                      </a:txBody>
+                      <a:tcPr marL="48564" marR="48564" marT="0" marB="0"/>
+                    </a:tc>
+                    <a:tc>
+                      <a:txBody>
+                        <a:bodyPr/>
+                        <a:lstStyle/>
+                        <a:p>
+                          <a:pPr algn="just">
+                            <a:lnSpc>
+                              <a:spcPct val="150000"/>
+                            </a:lnSpc>
+                            <a:spcAft>
+                              <a:spcPts val="0"/>
+                            </a:spcAft>
+                          </a:pPr>
+                          <a:r>
+                            <a:rPr lang="ru-RU" sz="1400" b="0" dirty="0">
+                              <a:effectLst/>
+                            </a:rPr>
+                            <a:t>-64.79195340669686</a:t>
+                          </a:r>
+                          <a:endParaRPr lang="ru-RU" sz="1400" b="0" dirty="0">
+                            <a:effectLst/>
+                            <a:latin typeface="Times New Roman" panose="02020603050405020304" pitchFamily="18" charset="0"/>
+                            <a:ea typeface="Calibri" panose="020F0502020204030204" pitchFamily="34" charset="0"/>
+                            <a:cs typeface="Times New Roman" panose="02020603050405020304" pitchFamily="18" charset="0"/>
+                          </a:endParaRPr>
+                        </a:p>
+                      </a:txBody>
+                      <a:tcPr marL="48564" marR="48564" marT="0" marB="0"/>
+                    </a:tc>
+                  </a:tr>
+                  <a:tr h="355207">
+                    <a:tc>
+                      <a:txBody>
+                        <a:bodyPr/>
+                        <a:lstStyle/>
+                        <a:p>
+                          <a:pPr>
+                            <a:lnSpc>
+                              <a:spcPct val="150000"/>
+                            </a:lnSpc>
+                            <a:spcAft>
+                              <a:spcPts val="0"/>
+                            </a:spcAft>
+                          </a:pPr>
+                          <a:r>
+                            <a:rPr lang="ru-RU" sz="1400" b="1" dirty="0">
+                              <a:effectLst/>
+                            </a:rPr>
+                            <a:t>30</a:t>
+                          </a:r>
+                          <a:endParaRPr lang="ru-RU" sz="1400" b="1" dirty="0">
+                            <a:effectLst/>
+                            <a:latin typeface="Times New Roman" panose="02020603050405020304" pitchFamily="18" charset="0"/>
+                            <a:ea typeface="Times New Roman" panose="02020603050405020304" pitchFamily="18" charset="0"/>
+                            <a:cs typeface="Times New Roman" panose="02020603050405020304" pitchFamily="18" charset="0"/>
+                          </a:endParaRPr>
+                        </a:p>
+                      </a:txBody>
+                      <a:tcPr marL="48564" marR="48564" marT="0" marB="0"/>
+                    </a:tc>
+                    <a:tc>
+                      <a:txBody>
+                        <a:bodyPr/>
+                        <a:lstStyle/>
+                        <a:p>
+                          <a:pPr algn="just">
+                            <a:lnSpc>
+                              <a:spcPct val="150000"/>
+                            </a:lnSpc>
+                            <a:spcAft>
+                              <a:spcPts val="0"/>
+                            </a:spcAft>
+                          </a:pPr>
+                          <a:r>
+                            <a:rPr lang="ru-RU" sz="1400" b="0">
+                              <a:effectLst/>
+                            </a:rPr>
+                            <a:t>-106.83578974677665</a:t>
+                          </a:r>
+                          <a:endParaRPr lang="ru-RU" sz="1400" b="0">
+                            <a:effectLst/>
+                            <a:latin typeface="Times New Roman" panose="02020603050405020304" pitchFamily="18" charset="0"/>
+                            <a:ea typeface="Calibri" panose="020F0502020204030204" pitchFamily="34" charset="0"/>
+                            <a:cs typeface="Times New Roman" panose="02020603050405020304" pitchFamily="18" charset="0"/>
+                          </a:endParaRPr>
+                        </a:p>
+                      </a:txBody>
+                      <a:tcPr marL="48564" marR="48564" marT="0" marB="0"/>
+                    </a:tc>
+                  </a:tr>
+                  <a:tr h="355207">
+                    <a:tc>
+                      <a:txBody>
+                        <a:bodyPr/>
+                        <a:lstStyle/>
+                        <a:p>
+                          <a:pPr>
+                            <a:lnSpc>
+                              <a:spcPct val="150000"/>
+                            </a:lnSpc>
+                            <a:spcAft>
+                              <a:spcPts val="0"/>
+                            </a:spcAft>
+                          </a:pPr>
+                          <a:r>
+                            <a:rPr lang="ru-RU" sz="1400" b="1" dirty="0">
+                              <a:effectLst/>
+                            </a:rPr>
+                            <a:t>35</a:t>
+                          </a:r>
+                          <a:endParaRPr lang="ru-RU" sz="1400" b="1" dirty="0">
+                            <a:effectLst/>
+                            <a:latin typeface="Times New Roman" panose="02020603050405020304" pitchFamily="18" charset="0"/>
+                            <a:ea typeface="Times New Roman" panose="02020603050405020304" pitchFamily="18" charset="0"/>
+                            <a:cs typeface="Times New Roman" panose="02020603050405020304" pitchFamily="18" charset="0"/>
+                          </a:endParaRPr>
+                        </a:p>
+                      </a:txBody>
+                      <a:tcPr marL="48564" marR="48564" marT="0" marB="0"/>
+                    </a:tc>
+                    <a:tc>
+                      <a:txBody>
+                        <a:bodyPr/>
+                        <a:lstStyle/>
+                        <a:p>
+                          <a:pPr algn="just">
+                            <a:lnSpc>
+                              <a:spcPct val="150000"/>
+                            </a:lnSpc>
+                            <a:spcAft>
+                              <a:spcPts val="0"/>
+                            </a:spcAft>
+                          </a:pPr>
+                          <a:r>
+                            <a:rPr lang="ru-RU" sz="1400" b="0">
+                              <a:effectLst/>
+                            </a:rPr>
+                            <a:t>-129.7373597747828</a:t>
+                          </a:r>
+                          <a:endParaRPr lang="ru-RU" sz="1400" b="0">
+                            <a:effectLst/>
+                            <a:latin typeface="Times New Roman" panose="02020603050405020304" pitchFamily="18" charset="0"/>
+                            <a:ea typeface="Calibri" panose="020F0502020204030204" pitchFamily="34" charset="0"/>
+                            <a:cs typeface="Times New Roman" panose="02020603050405020304" pitchFamily="18" charset="0"/>
+                          </a:endParaRPr>
+                        </a:p>
+                      </a:txBody>
+                      <a:tcPr marL="48564" marR="48564" marT="0" marB="0"/>
+                    </a:tc>
+                  </a:tr>
+                  <a:tr h="355207">
+                    <a:tc>
+                      <a:txBody>
+                        <a:bodyPr/>
+                        <a:lstStyle/>
+                        <a:p>
+                          <a:pPr>
+                            <a:lnSpc>
+                              <a:spcPct val="150000"/>
+                            </a:lnSpc>
+                            <a:spcAft>
+                              <a:spcPts val="0"/>
+                            </a:spcAft>
+                          </a:pPr>
+                          <a:r>
+                            <a:rPr lang="ru-RU" sz="1400" b="1" dirty="0">
+                              <a:effectLst/>
+                            </a:rPr>
+                            <a:t>36</a:t>
+                          </a:r>
+                          <a:endParaRPr lang="ru-RU" sz="1400" b="1" dirty="0">
+                            <a:effectLst/>
+                            <a:latin typeface="Times New Roman" panose="02020603050405020304" pitchFamily="18" charset="0"/>
+                            <a:ea typeface="Times New Roman" panose="02020603050405020304" pitchFamily="18" charset="0"/>
+                            <a:cs typeface="Times New Roman" panose="02020603050405020304" pitchFamily="18" charset="0"/>
+                          </a:endParaRPr>
+                        </a:p>
+                      </a:txBody>
+                      <a:tcPr marL="48564" marR="48564" marT="0" marB="0"/>
+                    </a:tc>
+                    <a:tc>
+                      <a:txBody>
+                        <a:bodyPr/>
+                        <a:lstStyle/>
+                        <a:p>
+                          <a:pPr algn="just">
+                            <a:lnSpc>
+                              <a:spcPct val="150000"/>
+                            </a:lnSpc>
+                            <a:spcAft>
+                              <a:spcPts val="0"/>
+                            </a:spcAft>
+                          </a:pPr>
+                          <a:r>
+                            <a:rPr lang="ru-RU" sz="1400" b="0" dirty="0">
+                              <a:effectLst/>
+                            </a:rPr>
+                            <a:t>-133.7446659471386</a:t>
+                          </a:r>
+                          <a:endParaRPr lang="ru-RU" sz="1400" b="0" dirty="0">
+                            <a:effectLst/>
+                            <a:latin typeface="Times New Roman" panose="02020603050405020304" pitchFamily="18" charset="0"/>
+                            <a:ea typeface="Calibri" panose="020F0502020204030204" pitchFamily="34" charset="0"/>
+                            <a:cs typeface="Times New Roman" panose="02020603050405020304" pitchFamily="18" charset="0"/>
+                          </a:endParaRPr>
+                        </a:p>
+                      </a:txBody>
+                      <a:tcPr marL="48564" marR="48564" marT="0" marB="0"/>
+                    </a:tc>
+                  </a:tr>
+                  <a:tr h="355207">
+                    <a:tc>
+                      <a:txBody>
+                        <a:bodyPr/>
+                        <a:lstStyle/>
+                        <a:p>
+                          <a:pPr>
+                            <a:lnSpc>
+                              <a:spcPct val="150000"/>
+                            </a:lnSpc>
+                            <a:spcAft>
+                              <a:spcPts val="0"/>
+                            </a:spcAft>
+                          </a:pPr>
+                          <a:r>
+                            <a:rPr lang="ru-RU" sz="1400" b="1" dirty="0">
+                              <a:effectLst/>
+                            </a:rPr>
+                            <a:t>37</a:t>
+                          </a:r>
+                          <a:endParaRPr lang="ru-RU" sz="1400" b="1" dirty="0">
+                            <a:effectLst/>
+                            <a:latin typeface="Times New Roman" panose="02020603050405020304" pitchFamily="18" charset="0"/>
+                            <a:ea typeface="Times New Roman" panose="02020603050405020304" pitchFamily="18" charset="0"/>
+                            <a:cs typeface="Times New Roman" panose="02020603050405020304" pitchFamily="18" charset="0"/>
+                          </a:endParaRPr>
+                        </a:p>
+                      </a:txBody>
+                      <a:tcPr marL="48564" marR="48564" marT="0" marB="0"/>
+                    </a:tc>
+                    <a:tc>
+                      <a:txBody>
+                        <a:bodyPr/>
+                        <a:lstStyle/>
+                        <a:p>
+                          <a:pPr algn="just">
+                            <a:lnSpc>
+                              <a:spcPct val="150000"/>
+                            </a:lnSpc>
+                            <a:spcAft>
+                              <a:spcPts val="0"/>
+                            </a:spcAft>
+                          </a:pPr>
+                          <a:r>
+                            <a:rPr lang="ru-RU" sz="1400" b="0" dirty="0">
+                              <a:effectLst/>
+                            </a:rPr>
+                            <a:t>-138.70858233923377</a:t>
+                          </a:r>
+                          <a:endParaRPr lang="ru-RU" sz="1400" b="0" dirty="0">
+                            <a:effectLst/>
+                            <a:latin typeface="Times New Roman" panose="02020603050405020304" pitchFamily="18" charset="0"/>
+                            <a:ea typeface="Calibri" panose="020F0502020204030204" pitchFamily="34" charset="0"/>
+                            <a:cs typeface="Times New Roman" panose="02020603050405020304" pitchFamily="18" charset="0"/>
+                          </a:endParaRPr>
+                        </a:p>
+                      </a:txBody>
+                      <a:tcPr marL="48564" marR="48564" marT="0" marB="0"/>
+                    </a:tc>
+                  </a:tr>
+                </a:tbl>
+              </a:graphicData>
+            </a:graphic>
+          </p:graphicFrame>
+        </mc:Choice>
+        <mc:Fallback>
+          <p:graphicFrame>
+            <p:nvGraphicFramePr>
+              <p:cNvPr id="7" name="Объект 6"/>
+              <p:cNvGraphicFramePr>
+                <a:graphicFrameLocks noGrp="1"/>
+              </p:cNvGraphicFramePr>
+              <p:nvPr>
+                <p:ph sz="half" idx="2"/>
+                <p:extLst>
+                  <p:ext uri="{D42A27DB-BD31-4B8C-83A1-F6EECF244321}">
+                    <p14:modId xmlns:p14="http://schemas.microsoft.com/office/powerpoint/2010/main" val="1529067354"/>
+                  </p:ext>
+                </p:extLst>
+              </p:nvPr>
+            </p:nvGraphicFramePr>
+            <p:xfrm>
+              <a:off x="385011" y="1690688"/>
+              <a:ext cx="2246812" cy="4273037"/>
+            </p:xfrm>
+            <a:graphic>
+              <a:graphicData uri="http://schemas.openxmlformats.org/drawingml/2006/table">
+                <a:tbl>
+                  <a:tblPr firstRow="1" firstCol="1" lastCol="1" bandRow="1" bandCol="1">
+                    <a:tableStyleId>{C083E6E3-FA7D-4D7B-A595-EF9225AFEA82}</a:tableStyleId>
+                  </a:tblPr>
+                  <a:tblGrid>
+                    <a:gridCol w="318887"/>
+                    <a:gridCol w="1927925"/>
+                  </a:tblGrid>
+                  <a:tr h="365760">
+                    <a:tc>
+                      <a:txBody>
+                        <a:bodyPr/>
+                        <a:lstStyle/>
+                        <a:p>
+                          <a:endParaRPr lang="ru-RU"/>
+                        </a:p>
+                      </a:txBody>
+                      <a:tcPr marL="48564" marR="48564" marT="0" marB="0">
+                        <a:blipFill rotWithShape="0">
+                          <a:blip r:embed="rId2"/>
+                          <a:stretch>
+                            <a:fillRect t="-1667" r="-611538" b="-1080000"/>
+                          </a:stretch>
+                        </a:blipFill>
+                      </a:tcPr>
+                    </a:tc>
+                    <a:tc>
+                      <a:txBody>
+                        <a:bodyPr/>
+                        <a:lstStyle/>
+                        <a:p>
+                          <a:endParaRPr lang="ru-RU"/>
+                        </a:p>
+                      </a:txBody>
+                      <a:tcPr marL="48564" marR="48564" marT="0" marB="0">
+                        <a:blipFill rotWithShape="0">
+                          <a:blip r:embed="rId2"/>
+                          <a:stretch>
+                            <a:fillRect l="-16404" t="-1667" r="-315" b="-1080000"/>
+                          </a:stretch>
+                        </a:blipFill>
+                      </a:tcPr>
+                    </a:tc>
+                  </a:tr>
+                  <a:tr h="355207">
+                    <a:tc>
+                      <a:txBody>
+                        <a:bodyPr/>
+                        <a:lstStyle/>
+                        <a:p>
+                          <a:pPr>
+                            <a:lnSpc>
+                              <a:spcPct val="150000"/>
+                            </a:lnSpc>
+                            <a:spcAft>
+                              <a:spcPts val="0"/>
+                            </a:spcAft>
+                          </a:pPr>
+                          <a:r>
+                            <a:rPr lang="ru-RU" sz="1400" b="1" dirty="0">
+                              <a:effectLst/>
+                            </a:rPr>
+                            <a:t>10</a:t>
+                          </a:r>
+                          <a:endParaRPr lang="ru-RU" sz="1400" b="1" dirty="0">
+                            <a:effectLst/>
+                            <a:latin typeface="Times New Roman" panose="02020603050405020304" pitchFamily="18" charset="0"/>
+                            <a:ea typeface="Times New Roman" panose="02020603050405020304" pitchFamily="18" charset="0"/>
+                            <a:cs typeface="Times New Roman" panose="02020603050405020304" pitchFamily="18" charset="0"/>
+                          </a:endParaRPr>
+                        </a:p>
+                      </a:txBody>
+                      <a:tcPr marL="48564" marR="48564" marT="0" marB="0"/>
+                    </a:tc>
+                    <a:tc>
+                      <a:txBody>
+                        <a:bodyPr/>
+                        <a:lstStyle/>
+                        <a:p>
+                          <a:pPr algn="just">
+                            <a:lnSpc>
+                              <a:spcPct val="150000"/>
+                            </a:lnSpc>
+                            <a:spcAft>
+                              <a:spcPts val="0"/>
+                            </a:spcAft>
+                          </a:pPr>
+                          <a:r>
+                            <a:rPr lang="ru-RU" sz="1400" b="0" dirty="0">
+                              <a:effectLst/>
+                            </a:rPr>
+                            <a:t>-26.132735234616742</a:t>
+                          </a:r>
+                          <a:endParaRPr lang="ru-RU" sz="1400" b="0" dirty="0">
+                            <a:effectLst/>
+                            <a:latin typeface="Times New Roman" panose="02020603050405020304" pitchFamily="18" charset="0"/>
+                            <a:ea typeface="Calibri" panose="020F0502020204030204" pitchFamily="34" charset="0"/>
+                            <a:cs typeface="Times New Roman" panose="02020603050405020304" pitchFamily="18" charset="0"/>
+                          </a:endParaRPr>
+                        </a:p>
+                      </a:txBody>
+                      <a:tcPr marL="48564" marR="48564" marT="0" marB="0"/>
+                    </a:tc>
+                  </a:tr>
+                  <a:tr h="355207">
+                    <a:tc>
+                      <a:txBody>
+                        <a:bodyPr/>
+                        <a:lstStyle/>
+                        <a:p>
+                          <a:pPr>
+                            <a:lnSpc>
+                              <a:spcPct val="150000"/>
+                            </a:lnSpc>
+                            <a:spcAft>
+                              <a:spcPts val="0"/>
+                            </a:spcAft>
+                          </a:pPr>
+                          <a:r>
+                            <a:rPr lang="ru-RU" sz="1400" b="1" dirty="0">
+                              <a:effectLst/>
+                            </a:rPr>
+                            <a:t>11</a:t>
+                          </a:r>
+                          <a:endParaRPr lang="ru-RU" sz="1400" b="1" dirty="0">
+                            <a:effectLst/>
+                            <a:latin typeface="Times New Roman" panose="02020603050405020304" pitchFamily="18" charset="0"/>
+                            <a:ea typeface="Times New Roman" panose="02020603050405020304" pitchFamily="18" charset="0"/>
+                            <a:cs typeface="Times New Roman" panose="02020603050405020304" pitchFamily="18" charset="0"/>
+                          </a:endParaRPr>
+                        </a:p>
+                      </a:txBody>
+                      <a:tcPr marL="48564" marR="48564" marT="0" marB="0"/>
+                    </a:tc>
+                    <a:tc>
+                      <a:txBody>
+                        <a:bodyPr/>
+                        <a:lstStyle/>
+                        <a:p>
+                          <a:pPr algn="just">
+                            <a:lnSpc>
+                              <a:spcPct val="150000"/>
+                            </a:lnSpc>
+                            <a:spcAft>
+                              <a:spcPts val="0"/>
+                            </a:spcAft>
+                          </a:pPr>
+                          <a:r>
+                            <a:rPr lang="en-US" sz="1400" b="0" dirty="0">
+                              <a:effectLst/>
+                            </a:rPr>
+                            <a:t>-29.596054324057125</a:t>
+                          </a:r>
+                          <a:endParaRPr lang="ru-RU" sz="1400" b="0" dirty="0">
+                            <a:effectLst/>
+                            <a:latin typeface="Times New Roman" panose="02020603050405020304" pitchFamily="18" charset="0"/>
+                            <a:ea typeface="Calibri" panose="020F0502020204030204" pitchFamily="34" charset="0"/>
+                            <a:cs typeface="Times New Roman" panose="02020603050405020304" pitchFamily="18" charset="0"/>
+                          </a:endParaRPr>
+                        </a:p>
+                      </a:txBody>
+                      <a:tcPr marL="48564" marR="48564" marT="0" marB="0"/>
+                    </a:tc>
+                  </a:tr>
+                  <a:tr h="355207">
+                    <a:tc>
+                      <a:txBody>
+                        <a:bodyPr/>
+                        <a:lstStyle/>
+                        <a:p>
+                          <a:pPr>
+                            <a:lnSpc>
+                              <a:spcPct val="150000"/>
+                            </a:lnSpc>
+                            <a:spcAft>
+                              <a:spcPts val="0"/>
+                            </a:spcAft>
+                          </a:pPr>
+                          <a:r>
+                            <a:rPr lang="ru-RU" sz="1400" b="1" dirty="0">
+                              <a:effectLst/>
+                            </a:rPr>
+                            <a:t>12</a:t>
+                          </a:r>
+                          <a:endParaRPr lang="ru-RU" sz="1400" b="1" dirty="0">
+                            <a:effectLst/>
+                            <a:latin typeface="Times New Roman" panose="02020603050405020304" pitchFamily="18" charset="0"/>
+                            <a:ea typeface="Times New Roman" panose="02020603050405020304" pitchFamily="18" charset="0"/>
+                            <a:cs typeface="Times New Roman" panose="02020603050405020304" pitchFamily="18" charset="0"/>
+                          </a:endParaRPr>
+                        </a:p>
+                      </a:txBody>
+                      <a:tcPr marL="48564" marR="48564" marT="0" marB="0"/>
+                    </a:tc>
+                    <a:tc>
+                      <a:txBody>
+                        <a:bodyPr/>
+                        <a:lstStyle/>
+                        <a:p>
+                          <a:pPr algn="just">
+                            <a:lnSpc>
+                              <a:spcPct val="150000"/>
+                            </a:lnSpc>
+                            <a:spcAft>
+                              <a:spcPts val="0"/>
+                            </a:spcAft>
+                          </a:pPr>
+                          <a:r>
+                            <a:rPr lang="ru-RU" sz="1400" b="0" dirty="0">
+                              <a:effectLst/>
+                            </a:rPr>
+                            <a:t>-33.33230475638694</a:t>
+                          </a:r>
+                          <a:endParaRPr lang="ru-RU" sz="1400" b="0" dirty="0">
+                            <a:effectLst/>
+                            <a:latin typeface="Times New Roman" panose="02020603050405020304" pitchFamily="18" charset="0"/>
+                            <a:ea typeface="Calibri" panose="020F0502020204030204" pitchFamily="34" charset="0"/>
+                            <a:cs typeface="Times New Roman" panose="02020603050405020304" pitchFamily="18" charset="0"/>
+                          </a:endParaRPr>
+                        </a:p>
+                      </a:txBody>
+                      <a:tcPr marL="48564" marR="48564" marT="0" marB="0"/>
+                    </a:tc>
+                  </a:tr>
+                  <a:tr h="355207">
+                    <a:tc>
+                      <a:txBody>
+                        <a:bodyPr/>
+                        <a:lstStyle/>
+                        <a:p>
+                          <a:pPr>
+                            <a:lnSpc>
+                              <a:spcPct val="150000"/>
+                            </a:lnSpc>
+                            <a:spcAft>
+                              <a:spcPts val="0"/>
+                            </a:spcAft>
+                          </a:pPr>
+                          <a:r>
+                            <a:rPr lang="ru-RU" sz="1400" b="1" dirty="0">
+                              <a:effectLst/>
+                            </a:rPr>
+                            <a:t>13</a:t>
+                          </a:r>
+                          <a:endParaRPr lang="ru-RU" sz="1400" b="1" dirty="0">
+                            <a:effectLst/>
+                            <a:latin typeface="Times New Roman" panose="02020603050405020304" pitchFamily="18" charset="0"/>
+                            <a:ea typeface="Times New Roman" panose="02020603050405020304" pitchFamily="18" charset="0"/>
+                            <a:cs typeface="Times New Roman" panose="02020603050405020304" pitchFamily="18" charset="0"/>
+                          </a:endParaRPr>
+                        </a:p>
+                      </a:txBody>
+                      <a:tcPr marL="48564" marR="48564" marT="0" marB="0"/>
+                    </a:tc>
+                    <a:tc>
+                      <a:txBody>
+                        <a:bodyPr/>
+                        <a:lstStyle/>
+                        <a:p>
+                          <a:pPr algn="just">
+                            <a:lnSpc>
+                              <a:spcPct val="150000"/>
+                            </a:lnSpc>
+                            <a:spcAft>
+                              <a:spcPts val="0"/>
+                            </a:spcAft>
+                          </a:pPr>
+                          <a:r>
+                            <a:rPr lang="ru-RU" sz="1400" b="0">
+                              <a:effectLst/>
+                            </a:rPr>
+                            <a:t>-37.25887680231351</a:t>
+                          </a:r>
+                          <a:endParaRPr lang="ru-RU" sz="1400" b="0">
+                            <a:effectLst/>
+                            <a:latin typeface="Times New Roman" panose="02020603050405020304" pitchFamily="18" charset="0"/>
+                            <a:ea typeface="Calibri" panose="020F0502020204030204" pitchFamily="34" charset="0"/>
+                            <a:cs typeface="Times New Roman" panose="02020603050405020304" pitchFamily="18" charset="0"/>
+                          </a:endParaRPr>
+                        </a:p>
+                      </a:txBody>
+                      <a:tcPr marL="48564" marR="48564" marT="0" marB="0"/>
+                    </a:tc>
+                  </a:tr>
+                  <a:tr h="355207">
+                    <a:tc>
+                      <a:txBody>
+                        <a:bodyPr/>
+                        <a:lstStyle/>
+                        <a:p>
+                          <a:pPr>
+                            <a:lnSpc>
+                              <a:spcPct val="150000"/>
+                            </a:lnSpc>
+                            <a:spcAft>
+                              <a:spcPts val="0"/>
+                            </a:spcAft>
+                          </a:pPr>
+                          <a:r>
+                            <a:rPr lang="ru-RU" sz="1400" b="1" dirty="0">
+                              <a:effectLst/>
+                            </a:rPr>
+                            <a:t>14</a:t>
+                          </a:r>
+                          <a:endParaRPr lang="ru-RU" sz="1400" b="1" dirty="0">
+                            <a:effectLst/>
+                            <a:latin typeface="Times New Roman" panose="02020603050405020304" pitchFamily="18" charset="0"/>
+                            <a:ea typeface="Times New Roman" panose="02020603050405020304" pitchFamily="18" charset="0"/>
+                            <a:cs typeface="Times New Roman" panose="02020603050405020304" pitchFamily="18" charset="0"/>
+                          </a:endParaRPr>
+                        </a:p>
+                      </a:txBody>
+                      <a:tcPr marL="48564" marR="48564" marT="0" marB="0"/>
+                    </a:tc>
+                    <a:tc>
+                      <a:txBody>
+                        <a:bodyPr/>
+                        <a:lstStyle/>
+                        <a:p>
+                          <a:pPr algn="just">
+                            <a:lnSpc>
+                              <a:spcPct val="150000"/>
+                            </a:lnSpc>
+                            <a:spcAft>
+                              <a:spcPts val="0"/>
+                            </a:spcAft>
+                          </a:pPr>
+                          <a:r>
+                            <a:rPr lang="ru-RU" sz="1400" b="0">
+                              <a:effectLst/>
+                            </a:rPr>
+                            <a:t>-40.79834795841109</a:t>
+                          </a:r>
+                          <a:endParaRPr lang="ru-RU" sz="1400" b="0">
+                            <a:effectLst/>
+                            <a:latin typeface="Times New Roman" panose="02020603050405020304" pitchFamily="18" charset="0"/>
+                            <a:ea typeface="Calibri" panose="020F0502020204030204" pitchFamily="34" charset="0"/>
+                            <a:cs typeface="Times New Roman" panose="02020603050405020304" pitchFamily="18" charset="0"/>
+                          </a:endParaRPr>
+                        </a:p>
+                      </a:txBody>
+                      <a:tcPr marL="48564" marR="48564" marT="0" marB="0"/>
+                    </a:tc>
+                  </a:tr>
+                  <a:tr h="355207">
+                    <a:tc>
+                      <a:txBody>
+                        <a:bodyPr/>
+                        <a:lstStyle/>
+                        <a:p>
+                          <a:pPr>
+                            <a:lnSpc>
+                              <a:spcPct val="150000"/>
+                            </a:lnSpc>
+                            <a:spcAft>
+                              <a:spcPts val="0"/>
+                            </a:spcAft>
+                          </a:pPr>
+                          <a:r>
+                            <a:rPr lang="ru-RU" sz="1400" b="1" dirty="0">
+                              <a:effectLst/>
+                            </a:rPr>
+                            <a:t>15</a:t>
+                          </a:r>
+                          <a:endParaRPr lang="ru-RU" sz="1400" b="1" dirty="0">
+                            <a:effectLst/>
+                            <a:latin typeface="Times New Roman" panose="02020603050405020304" pitchFamily="18" charset="0"/>
+                            <a:ea typeface="Times New Roman" panose="02020603050405020304" pitchFamily="18" charset="0"/>
+                            <a:cs typeface="Times New Roman" panose="02020603050405020304" pitchFamily="18" charset="0"/>
+                          </a:endParaRPr>
+                        </a:p>
+                      </a:txBody>
+                      <a:tcPr marL="48564" marR="48564" marT="0" marB="0"/>
+                    </a:tc>
+                    <a:tc>
+                      <a:txBody>
+                        <a:bodyPr/>
+                        <a:lstStyle/>
+                        <a:p>
+                          <a:pPr algn="just">
+                            <a:lnSpc>
+                              <a:spcPct val="150000"/>
+                            </a:lnSpc>
+                            <a:spcAft>
+                              <a:spcPts val="0"/>
+                            </a:spcAft>
+                          </a:pPr>
+                          <a:r>
+                            <a:rPr lang="ru-RU" sz="1400" b="0" dirty="0">
+                              <a:effectLst/>
+                            </a:rPr>
+                            <a:t>-44.80643749849561</a:t>
+                          </a:r>
+                          <a:endParaRPr lang="ru-RU" sz="1400" b="0" dirty="0">
+                            <a:effectLst/>
+                            <a:latin typeface="Times New Roman" panose="02020603050405020304" pitchFamily="18" charset="0"/>
+                            <a:ea typeface="Calibri" panose="020F0502020204030204" pitchFamily="34" charset="0"/>
+                            <a:cs typeface="Times New Roman" panose="02020603050405020304" pitchFamily="18" charset="0"/>
+                          </a:endParaRPr>
+                        </a:p>
+                      </a:txBody>
+                      <a:tcPr marL="48564" marR="48564" marT="0" marB="0"/>
+                    </a:tc>
+                  </a:tr>
+                  <a:tr h="355207">
+                    <a:tc>
+                      <a:txBody>
+                        <a:bodyPr/>
+                        <a:lstStyle/>
+                        <a:p>
+                          <a:pPr>
+                            <a:lnSpc>
+                              <a:spcPct val="150000"/>
+                            </a:lnSpc>
+                            <a:spcAft>
+                              <a:spcPts val="0"/>
+                            </a:spcAft>
+                          </a:pPr>
+                          <a:r>
+                            <a:rPr lang="ru-RU" sz="1400" b="1" dirty="0">
+                              <a:effectLst/>
+                            </a:rPr>
+                            <a:t>20</a:t>
+                          </a:r>
+                          <a:endParaRPr lang="ru-RU" sz="1400" b="1" dirty="0">
+                            <a:effectLst/>
+                            <a:latin typeface="Times New Roman" panose="02020603050405020304" pitchFamily="18" charset="0"/>
+                            <a:ea typeface="Times New Roman" panose="02020603050405020304" pitchFamily="18" charset="0"/>
+                            <a:cs typeface="Times New Roman" panose="02020603050405020304" pitchFamily="18" charset="0"/>
+                          </a:endParaRPr>
+                        </a:p>
+                      </a:txBody>
+                      <a:tcPr marL="48564" marR="48564" marT="0" marB="0"/>
+                    </a:tc>
+                    <a:tc>
+                      <a:txBody>
+                        <a:bodyPr/>
+                        <a:lstStyle/>
+                        <a:p>
+                          <a:pPr algn="just">
+                            <a:lnSpc>
+                              <a:spcPct val="150000"/>
+                            </a:lnSpc>
+                            <a:spcAft>
+                              <a:spcPts val="0"/>
+                            </a:spcAft>
+                          </a:pPr>
+                          <a:r>
+                            <a:rPr lang="ru-RU" sz="1400" b="0" dirty="0">
+                              <a:effectLst/>
+                            </a:rPr>
+                            <a:t>-64.79195340669686</a:t>
+                          </a:r>
+                          <a:endParaRPr lang="ru-RU" sz="1400" b="0" dirty="0">
+                            <a:effectLst/>
+                            <a:latin typeface="Times New Roman" panose="02020603050405020304" pitchFamily="18" charset="0"/>
+                            <a:ea typeface="Calibri" panose="020F0502020204030204" pitchFamily="34" charset="0"/>
+                            <a:cs typeface="Times New Roman" panose="02020603050405020304" pitchFamily="18" charset="0"/>
+                          </a:endParaRPr>
+                        </a:p>
+                      </a:txBody>
+                      <a:tcPr marL="48564" marR="48564" marT="0" marB="0"/>
+                    </a:tc>
+                  </a:tr>
+                  <a:tr h="355207">
+                    <a:tc>
+                      <a:txBody>
+                        <a:bodyPr/>
+                        <a:lstStyle/>
+                        <a:p>
+                          <a:pPr>
+                            <a:lnSpc>
+                              <a:spcPct val="150000"/>
+                            </a:lnSpc>
+                            <a:spcAft>
+                              <a:spcPts val="0"/>
+                            </a:spcAft>
+                          </a:pPr>
+                          <a:r>
+                            <a:rPr lang="ru-RU" sz="1400" b="1" dirty="0">
+                              <a:effectLst/>
+                            </a:rPr>
+                            <a:t>30</a:t>
+                          </a:r>
+                          <a:endParaRPr lang="ru-RU" sz="1400" b="1" dirty="0">
+                            <a:effectLst/>
+                            <a:latin typeface="Times New Roman" panose="02020603050405020304" pitchFamily="18" charset="0"/>
+                            <a:ea typeface="Times New Roman" panose="02020603050405020304" pitchFamily="18" charset="0"/>
+                            <a:cs typeface="Times New Roman" panose="02020603050405020304" pitchFamily="18" charset="0"/>
+                          </a:endParaRPr>
+                        </a:p>
+                      </a:txBody>
+                      <a:tcPr marL="48564" marR="48564" marT="0" marB="0"/>
+                    </a:tc>
+                    <a:tc>
+                      <a:txBody>
+                        <a:bodyPr/>
+                        <a:lstStyle/>
+                        <a:p>
+                          <a:pPr algn="just">
+                            <a:lnSpc>
+                              <a:spcPct val="150000"/>
+                            </a:lnSpc>
+                            <a:spcAft>
+                              <a:spcPts val="0"/>
+                            </a:spcAft>
+                          </a:pPr>
+                          <a:r>
+                            <a:rPr lang="ru-RU" sz="1400" b="0">
+                              <a:effectLst/>
+                            </a:rPr>
+                            <a:t>-106.83578974677665</a:t>
+                          </a:r>
+                          <a:endParaRPr lang="ru-RU" sz="1400" b="0">
+                            <a:effectLst/>
+                            <a:latin typeface="Times New Roman" panose="02020603050405020304" pitchFamily="18" charset="0"/>
+                            <a:ea typeface="Calibri" panose="020F0502020204030204" pitchFamily="34" charset="0"/>
+                            <a:cs typeface="Times New Roman" panose="02020603050405020304" pitchFamily="18" charset="0"/>
+                          </a:endParaRPr>
+                        </a:p>
+                      </a:txBody>
+                      <a:tcPr marL="48564" marR="48564" marT="0" marB="0"/>
+                    </a:tc>
+                  </a:tr>
+                  <a:tr h="355207">
+                    <a:tc>
+                      <a:txBody>
+                        <a:bodyPr/>
+                        <a:lstStyle/>
+                        <a:p>
+                          <a:pPr>
+                            <a:lnSpc>
+                              <a:spcPct val="150000"/>
+                            </a:lnSpc>
+                            <a:spcAft>
+                              <a:spcPts val="0"/>
+                            </a:spcAft>
+                          </a:pPr>
+                          <a:r>
+                            <a:rPr lang="ru-RU" sz="1400" b="1" dirty="0">
+                              <a:effectLst/>
+                            </a:rPr>
+                            <a:t>35</a:t>
+                          </a:r>
+                          <a:endParaRPr lang="ru-RU" sz="1400" b="1" dirty="0">
+                            <a:effectLst/>
+                            <a:latin typeface="Times New Roman" panose="02020603050405020304" pitchFamily="18" charset="0"/>
+                            <a:ea typeface="Times New Roman" panose="02020603050405020304" pitchFamily="18" charset="0"/>
+                            <a:cs typeface="Times New Roman" panose="02020603050405020304" pitchFamily="18" charset="0"/>
+                          </a:endParaRPr>
+                        </a:p>
+                      </a:txBody>
+                      <a:tcPr marL="48564" marR="48564" marT="0" marB="0"/>
+                    </a:tc>
+                    <a:tc>
+                      <a:txBody>
+                        <a:bodyPr/>
+                        <a:lstStyle/>
+                        <a:p>
+                          <a:pPr algn="just">
+                            <a:lnSpc>
+                              <a:spcPct val="150000"/>
+                            </a:lnSpc>
+                            <a:spcAft>
+                              <a:spcPts val="0"/>
+                            </a:spcAft>
+                          </a:pPr>
+                          <a:r>
+                            <a:rPr lang="ru-RU" sz="1400" b="0">
+                              <a:effectLst/>
+                            </a:rPr>
+                            <a:t>-129.7373597747828</a:t>
+                          </a:r>
+                          <a:endParaRPr lang="ru-RU" sz="1400" b="0">
+                            <a:effectLst/>
+                            <a:latin typeface="Times New Roman" panose="02020603050405020304" pitchFamily="18" charset="0"/>
+                            <a:ea typeface="Calibri" panose="020F0502020204030204" pitchFamily="34" charset="0"/>
+                            <a:cs typeface="Times New Roman" panose="02020603050405020304" pitchFamily="18" charset="0"/>
+                          </a:endParaRPr>
+                        </a:p>
+                      </a:txBody>
+                      <a:tcPr marL="48564" marR="48564" marT="0" marB="0"/>
+                    </a:tc>
+                  </a:tr>
+                  <a:tr h="355207">
+                    <a:tc>
+                      <a:txBody>
+                        <a:bodyPr/>
+                        <a:lstStyle/>
+                        <a:p>
+                          <a:pPr>
+                            <a:lnSpc>
+                              <a:spcPct val="150000"/>
+                            </a:lnSpc>
+                            <a:spcAft>
+                              <a:spcPts val="0"/>
+                            </a:spcAft>
+                          </a:pPr>
+                          <a:r>
+                            <a:rPr lang="ru-RU" sz="1400" b="1" dirty="0">
+                              <a:effectLst/>
+                            </a:rPr>
+                            <a:t>36</a:t>
+                          </a:r>
+                          <a:endParaRPr lang="ru-RU" sz="1400" b="1" dirty="0">
+                            <a:effectLst/>
+                            <a:latin typeface="Times New Roman" panose="02020603050405020304" pitchFamily="18" charset="0"/>
+                            <a:ea typeface="Times New Roman" panose="02020603050405020304" pitchFamily="18" charset="0"/>
+                            <a:cs typeface="Times New Roman" panose="02020603050405020304" pitchFamily="18" charset="0"/>
+                          </a:endParaRPr>
+                        </a:p>
+                      </a:txBody>
+                      <a:tcPr marL="48564" marR="48564" marT="0" marB="0"/>
+                    </a:tc>
+                    <a:tc>
+                      <a:txBody>
+                        <a:bodyPr/>
+                        <a:lstStyle/>
+                        <a:p>
+                          <a:pPr algn="just">
+                            <a:lnSpc>
+                              <a:spcPct val="150000"/>
+                            </a:lnSpc>
+                            <a:spcAft>
+                              <a:spcPts val="0"/>
+                            </a:spcAft>
+                          </a:pPr>
+                          <a:r>
+                            <a:rPr lang="ru-RU" sz="1400" b="0" dirty="0">
+                              <a:effectLst/>
+                            </a:rPr>
+                            <a:t>-133.7446659471386</a:t>
+                          </a:r>
+                          <a:endParaRPr lang="ru-RU" sz="1400" b="0" dirty="0">
+                            <a:effectLst/>
+                            <a:latin typeface="Times New Roman" panose="02020603050405020304" pitchFamily="18" charset="0"/>
+                            <a:ea typeface="Calibri" panose="020F0502020204030204" pitchFamily="34" charset="0"/>
+                            <a:cs typeface="Times New Roman" panose="02020603050405020304" pitchFamily="18" charset="0"/>
+                          </a:endParaRPr>
+                        </a:p>
+                      </a:txBody>
+                      <a:tcPr marL="48564" marR="48564" marT="0" marB="0"/>
+                    </a:tc>
+                  </a:tr>
+                  <a:tr h="355207">
+                    <a:tc>
+                      <a:txBody>
+                        <a:bodyPr/>
+                        <a:lstStyle/>
+                        <a:p>
+                          <a:pPr>
+                            <a:lnSpc>
+                              <a:spcPct val="150000"/>
+                            </a:lnSpc>
+                            <a:spcAft>
+                              <a:spcPts val="0"/>
+                            </a:spcAft>
+                          </a:pPr>
+                          <a:r>
+                            <a:rPr lang="ru-RU" sz="1400" b="1" dirty="0">
+                              <a:effectLst/>
+                            </a:rPr>
+                            <a:t>37</a:t>
+                          </a:r>
+                          <a:endParaRPr lang="ru-RU" sz="1400" b="1" dirty="0">
+                            <a:effectLst/>
+                            <a:latin typeface="Times New Roman" panose="02020603050405020304" pitchFamily="18" charset="0"/>
+                            <a:ea typeface="Times New Roman" panose="02020603050405020304" pitchFamily="18" charset="0"/>
+                            <a:cs typeface="Times New Roman" panose="02020603050405020304" pitchFamily="18" charset="0"/>
+                          </a:endParaRPr>
+                        </a:p>
+                      </a:txBody>
+                      <a:tcPr marL="48564" marR="48564" marT="0" marB="0"/>
+                    </a:tc>
+                    <a:tc>
+                      <a:txBody>
+                        <a:bodyPr/>
+                        <a:lstStyle/>
+                        <a:p>
+                          <a:pPr algn="just">
+                            <a:lnSpc>
+                              <a:spcPct val="150000"/>
+                            </a:lnSpc>
+                            <a:spcAft>
+                              <a:spcPts val="0"/>
+                            </a:spcAft>
+                          </a:pPr>
+                          <a:r>
+                            <a:rPr lang="ru-RU" sz="1400" b="0" dirty="0">
+                              <a:effectLst/>
+                            </a:rPr>
+                            <a:t>-138.70858233923377</a:t>
+                          </a:r>
+                          <a:endParaRPr lang="ru-RU" sz="1400" b="0" dirty="0">
+                            <a:effectLst/>
+                            <a:latin typeface="Times New Roman" panose="02020603050405020304" pitchFamily="18" charset="0"/>
+                            <a:ea typeface="Calibri" panose="020F0502020204030204" pitchFamily="34" charset="0"/>
+                            <a:cs typeface="Times New Roman" panose="02020603050405020304" pitchFamily="18" charset="0"/>
+                          </a:endParaRPr>
+                        </a:p>
+                      </a:txBody>
+                      <a:tcPr marL="48564" marR="48564" marT="0" marB="0"/>
+                    </a:tc>
+                  </a:tr>
+                </a:tbl>
+              </a:graphicData>
+            </a:graphic>
+          </p:graphicFrame>
+        </mc:Fallback>
+      </mc:AlternateContent>
       <p:sp>
         <p:nvSpPr>
           <p:cNvPr id="5" name="Нижний колонтитул 4"/>
@@ -6520,13 +8553,541 @@
           <a:lstStyle/>
           <a:p>
             <a:r>
-              <a:rPr lang="ru-RU" smtClean="0"/>
-              <a:t>Эвристический алгоритм поиска глобально-оптимальной конформации атомного кластера Морса, Шашов К.В.</a:t>
-            </a:r>
-            <a:endParaRPr lang="ru-RU"/>
+              <a:rPr lang="ru-RU" dirty="0" smtClean="0"/>
+              <a:t>Эвристический алгоритм поиска глобально-оптимальной конформации атомного кластера Морса, </a:t>
+            </a:r>
+            <a:r>
+              <a:rPr lang="ru-RU" dirty="0" err="1" smtClean="0"/>
+              <a:t>Шашов</a:t>
+            </a:r>
+            <a:r>
+              <a:rPr lang="ru-RU" dirty="0" smtClean="0"/>
+              <a:t> К.В.</a:t>
+            </a:r>
+            <a:endParaRPr lang="ru-RU" dirty="0"/>
           </a:p>
         </p:txBody>
       </p:sp>
+      <p:pic>
+        <p:nvPicPr>
+          <p:cNvPr id="3073" name="Рисунок 32" descr="37opt"/>
+          <p:cNvPicPr>
+            <a:picLocks noChangeAspect="1" noChangeArrowheads="1"/>
+          </p:cNvPicPr>
+          <p:nvPr/>
+        </p:nvPicPr>
+        <p:blipFill>
+          <a:blip r:embed="rId3">
+            <a:extLst>
+              <a:ext uri="{28A0092B-C50C-407E-A947-70E740481C1C}">
+                <a14:useLocalDpi xmlns:a14="http://schemas.microsoft.com/office/drawing/2010/main" val="0"/>
+              </a:ext>
+            </a:extLst>
+          </a:blip>
+          <a:srcRect/>
+          <a:stretch>
+            <a:fillRect/>
+          </a:stretch>
+        </p:blipFill>
+        <p:spPr bwMode="auto">
+          <a:xfrm>
+            <a:off x="2956147" y="2055129"/>
+            <a:ext cx="3103027" cy="1095186"/>
+          </a:xfrm>
+          <a:prstGeom prst="rect">
+            <a:avLst/>
+          </a:prstGeom>
+          <a:noFill/>
+          <a:extLst>
+            <a:ext uri="{909E8E84-426E-40DD-AFC4-6F175D3DCCD1}">
+              <a14:hiddenFill xmlns:a14="http://schemas.microsoft.com/office/drawing/2010/main">
+                <a:solidFill>
+                  <a:srgbClr val="FFFFFF"/>
+                </a:solidFill>
+              </a14:hiddenFill>
+            </a:ext>
+          </a:extLst>
+        </p:spPr>
+      </p:pic>
+      <p:sp>
+        <p:nvSpPr>
+          <p:cNvPr id="10" name="Rectangle 3"/>
+          <p:cNvSpPr>
+            <a:spLocks noChangeArrowheads="1"/>
+          </p:cNvSpPr>
+          <p:nvPr/>
+        </p:nvSpPr>
+        <p:spPr bwMode="auto">
+          <a:xfrm>
+            <a:off x="3994315" y="3190591"/>
+            <a:ext cx="1026691" cy="307777"/>
+          </a:xfrm>
+          <a:prstGeom prst="rect">
+            <a:avLst/>
+          </a:prstGeom>
+          <a:noFill/>
+          <a:ln>
+            <a:noFill/>
+          </a:ln>
+          <a:effectLst/>
+          <a:extLst>
+            <a:ext uri="{909E8E84-426E-40DD-AFC4-6F175D3DCCD1}">
+              <a14:hiddenFill xmlns:a14="http://schemas.microsoft.com/office/drawing/2010/main">
+                <a:solidFill>
+                  <a:schemeClr val="accent1"/>
+                </a:solidFill>
+              </a14:hiddenFill>
+            </a:ext>
+            <a:ext uri="{91240B29-F687-4F45-9708-019B960494DF}">
+              <a14:hiddenLine xmlns:a14="http://schemas.microsoft.com/office/drawing/2010/main" w="9525">
+                <a:solidFill>
+                  <a:schemeClr val="tx1"/>
+                </a:solidFill>
+                <a:miter lim="800000"/>
+                <a:headEnd/>
+                <a:tailEnd/>
+              </a14:hiddenLine>
+            </a:ext>
+            <a:ext uri="{AF507438-7753-43E0-B8FC-AC1667EBCBE1}">
+              <a14:hiddenEffects xmlns:a14="http://schemas.microsoft.com/office/drawing/2010/main">
+                <a:effectLst>
+                  <a:outerShdw dist="35921" dir="2700000" algn="ctr" rotWithShape="0">
+                    <a:schemeClr val="bg2"/>
+                  </a:outerShdw>
+                </a:effectLst>
+              </a14:hiddenEffects>
+            </a:ext>
+          </a:extLst>
+        </p:spPr>
+        <p:txBody>
+          <a:bodyPr vert="horz" wrap="none" lIns="91440" tIns="45720" rIns="91440" bIns="45720" numCol="1" anchor="ctr" anchorCtr="0" compatLnSpc="1">
+            <a:prstTxWarp prst="textNoShape">
+              <a:avLst/>
+            </a:prstTxWarp>
+            <a:spAutoFit/>
+          </a:bodyPr>
+          <a:lstStyle/>
+          <a:p>
+            <a:pPr marL="0" marR="0" lvl="0" indent="0" algn="ctr" defTabSz="914400" rtl="0" eaLnBrk="0" fontAlgn="base" latinLnBrk="0" hangingPunct="0">
+              <a:lnSpc>
+                <a:spcPct val="100000"/>
+              </a:lnSpc>
+              <a:spcBef>
+                <a:spcPct val="0"/>
+              </a:spcBef>
+              <a:spcAft>
+                <a:spcPct val="0"/>
+              </a:spcAft>
+              <a:buClrTx/>
+              <a:buSzTx/>
+              <a:buFontTx/>
+              <a:buNone/>
+              <a:tabLst/>
+            </a:pPr>
+            <a:r>
+              <a:rPr kumimoji="0" lang="ru-RU" altLang="ru-RU" sz="1400" b="0" i="0" u="none" strike="noStrike" cap="none" normalizeH="0" baseline="0" dirty="0" smtClean="0">
+                <a:ln>
+                  <a:noFill/>
+                </a:ln>
+                <a:solidFill>
+                  <a:srgbClr val="002060"/>
+                </a:solidFill>
+                <a:effectLst/>
+                <a:latin typeface="Arial" panose="020B0604020202020204" pitchFamily="34" charset="0"/>
+                <a:ea typeface="Calibri" panose="020F0502020204030204" pitchFamily="34" charset="0"/>
+                <a:cs typeface="Times New Roman" panose="02020603050405020304" pitchFamily="18" charset="0"/>
+              </a:rPr>
+              <a:t>37 атомов</a:t>
+            </a:r>
+            <a:endParaRPr kumimoji="0" lang="ru-RU" altLang="ru-RU" sz="1800" b="0" i="0" u="none" strike="noStrike" cap="none" normalizeH="0" baseline="0" dirty="0" smtClean="0">
+              <a:ln>
+                <a:noFill/>
+              </a:ln>
+              <a:solidFill>
+                <a:srgbClr val="002060"/>
+              </a:solidFill>
+              <a:effectLst/>
+              <a:latin typeface="Arial" panose="020B0604020202020204" pitchFamily="34" charset="0"/>
+            </a:endParaRPr>
+          </a:p>
+        </p:txBody>
+      </p:sp>
+      <p:pic>
+        <p:nvPicPr>
+          <p:cNvPr id="3076" name="Рисунок 28" descr="20opt"/>
+          <p:cNvPicPr>
+            <a:picLocks noChangeAspect="1" noChangeArrowheads="1"/>
+          </p:cNvPicPr>
+          <p:nvPr/>
+        </p:nvPicPr>
+        <p:blipFill>
+          <a:blip r:embed="rId4">
+            <a:extLst>
+              <a:ext uri="{28A0092B-C50C-407E-A947-70E740481C1C}">
+                <a14:useLocalDpi xmlns:a14="http://schemas.microsoft.com/office/drawing/2010/main" val="0"/>
+              </a:ext>
+            </a:extLst>
+          </a:blip>
+          <a:srcRect/>
+          <a:stretch>
+            <a:fillRect/>
+          </a:stretch>
+        </p:blipFill>
+        <p:spPr bwMode="auto">
+          <a:xfrm>
+            <a:off x="3307769" y="3536226"/>
+            <a:ext cx="2399784" cy="1918323"/>
+          </a:xfrm>
+          <a:prstGeom prst="rect">
+            <a:avLst/>
+          </a:prstGeom>
+          <a:noFill/>
+          <a:extLst>
+            <a:ext uri="{909E8E84-426E-40DD-AFC4-6F175D3DCCD1}">
+              <a14:hiddenFill xmlns:a14="http://schemas.microsoft.com/office/drawing/2010/main">
+                <a:solidFill>
+                  <a:srgbClr val="FFFFFF"/>
+                </a:solidFill>
+              </a14:hiddenFill>
+            </a:ext>
+          </a:extLst>
+        </p:spPr>
+      </p:pic>
+      <p:sp>
+        <p:nvSpPr>
+          <p:cNvPr id="13" name="Rectangle 6"/>
+          <p:cNvSpPr>
+            <a:spLocks noChangeArrowheads="1"/>
+          </p:cNvSpPr>
+          <p:nvPr/>
+        </p:nvSpPr>
+        <p:spPr bwMode="auto">
+          <a:xfrm>
+            <a:off x="3994315" y="5492407"/>
+            <a:ext cx="1026691" cy="307777"/>
+          </a:xfrm>
+          <a:prstGeom prst="rect">
+            <a:avLst/>
+          </a:prstGeom>
+          <a:noFill/>
+          <a:ln>
+            <a:noFill/>
+          </a:ln>
+          <a:effectLst/>
+          <a:extLst>
+            <a:ext uri="{909E8E84-426E-40DD-AFC4-6F175D3DCCD1}">
+              <a14:hiddenFill xmlns:a14="http://schemas.microsoft.com/office/drawing/2010/main">
+                <a:solidFill>
+                  <a:schemeClr val="accent1"/>
+                </a:solidFill>
+              </a14:hiddenFill>
+            </a:ext>
+            <a:ext uri="{91240B29-F687-4F45-9708-019B960494DF}">
+              <a14:hiddenLine xmlns:a14="http://schemas.microsoft.com/office/drawing/2010/main" w="9525">
+                <a:solidFill>
+                  <a:schemeClr val="tx1"/>
+                </a:solidFill>
+                <a:miter lim="800000"/>
+                <a:headEnd/>
+                <a:tailEnd/>
+              </a14:hiddenLine>
+            </a:ext>
+            <a:ext uri="{AF507438-7753-43E0-B8FC-AC1667EBCBE1}">
+              <a14:hiddenEffects xmlns:a14="http://schemas.microsoft.com/office/drawing/2010/main">
+                <a:effectLst>
+                  <a:outerShdw dist="35921" dir="2700000" algn="ctr" rotWithShape="0">
+                    <a:schemeClr val="bg2"/>
+                  </a:outerShdw>
+                </a:effectLst>
+              </a14:hiddenEffects>
+            </a:ext>
+          </a:extLst>
+        </p:spPr>
+        <p:txBody>
+          <a:bodyPr vert="horz" wrap="none" lIns="91440" tIns="45720" rIns="91440" bIns="45720" numCol="1" anchor="ctr" anchorCtr="0" compatLnSpc="1">
+            <a:prstTxWarp prst="textNoShape">
+              <a:avLst/>
+            </a:prstTxWarp>
+            <a:spAutoFit/>
+          </a:bodyPr>
+          <a:lstStyle/>
+          <a:p>
+            <a:pPr marL="0" marR="0" lvl="0" indent="0" algn="ctr" defTabSz="914400" rtl="0" eaLnBrk="0" fontAlgn="base" latinLnBrk="0" hangingPunct="0">
+              <a:lnSpc>
+                <a:spcPct val="100000"/>
+              </a:lnSpc>
+              <a:spcBef>
+                <a:spcPct val="0"/>
+              </a:spcBef>
+              <a:spcAft>
+                <a:spcPct val="0"/>
+              </a:spcAft>
+              <a:buClrTx/>
+              <a:buSzTx/>
+              <a:buFontTx/>
+              <a:buNone/>
+              <a:tabLst/>
+            </a:pPr>
+            <a:r>
+              <a:rPr kumimoji="0" lang="ru-RU" altLang="ru-RU" sz="1400" b="0" i="0" u="none" strike="noStrike" cap="none" normalizeH="0" baseline="0" dirty="0" smtClean="0">
+                <a:ln>
+                  <a:noFill/>
+                </a:ln>
+                <a:solidFill>
+                  <a:srgbClr val="002060"/>
+                </a:solidFill>
+                <a:effectLst/>
+                <a:latin typeface="Arial" panose="020B0604020202020204" pitchFamily="34" charset="0"/>
+                <a:ea typeface="Calibri" panose="020F0502020204030204" pitchFamily="34" charset="0"/>
+                <a:cs typeface="Times New Roman" panose="02020603050405020304" pitchFamily="18" charset="0"/>
+              </a:rPr>
+              <a:t>20 атомов</a:t>
+            </a:r>
+            <a:endParaRPr kumimoji="0" lang="ru-RU" altLang="ru-RU" sz="1800" b="0" i="0" u="none" strike="noStrike" cap="none" normalizeH="0" baseline="0" dirty="0" smtClean="0">
+              <a:ln>
+                <a:noFill/>
+              </a:ln>
+              <a:solidFill>
+                <a:srgbClr val="002060"/>
+              </a:solidFill>
+              <a:effectLst/>
+              <a:latin typeface="Arial" panose="020B0604020202020204" pitchFamily="34" charset="0"/>
+            </a:endParaRPr>
+          </a:p>
+        </p:txBody>
+      </p:sp>
+      <p:pic>
+        <p:nvPicPr>
+          <p:cNvPr id="16" name="Рисунок 33"/>
+          <p:cNvPicPr>
+            <a:picLocks noChangeAspect="1" noChangeArrowheads="1"/>
+          </p:cNvPicPr>
+          <p:nvPr/>
+        </p:nvPicPr>
+        <p:blipFill>
+          <a:blip r:embed="rId5">
+            <a:extLst>
+              <a:ext uri="{28A0092B-C50C-407E-A947-70E740481C1C}">
+                <a14:useLocalDpi xmlns:a14="http://schemas.microsoft.com/office/drawing/2010/main" val="0"/>
+              </a:ext>
+            </a:extLst>
+          </a:blip>
+          <a:srcRect/>
+          <a:stretch>
+            <a:fillRect/>
+          </a:stretch>
+        </p:blipFill>
+        <p:spPr bwMode="auto">
+          <a:xfrm>
+            <a:off x="6440591" y="2481915"/>
+            <a:ext cx="1962150" cy="2085975"/>
+          </a:xfrm>
+          <a:prstGeom prst="rect">
+            <a:avLst/>
+          </a:prstGeom>
+          <a:noFill/>
+          <a:extLst>
+            <a:ext uri="{909E8E84-426E-40DD-AFC4-6F175D3DCCD1}">
+              <a14:hiddenFill xmlns:a14="http://schemas.microsoft.com/office/drawing/2010/main">
+                <a:solidFill>
+                  <a:srgbClr val="FFFFFF"/>
+                </a:solidFill>
+              </a14:hiddenFill>
+            </a:ext>
+          </a:extLst>
+        </p:spPr>
+      </p:pic>
+      <p:sp>
+        <p:nvSpPr>
+          <p:cNvPr id="17" name="Rectangle 4"/>
+          <p:cNvSpPr>
+            <a:spLocks noChangeArrowheads="1"/>
+          </p:cNvSpPr>
+          <p:nvPr/>
+        </p:nvSpPr>
+        <p:spPr bwMode="auto">
+          <a:xfrm>
+            <a:off x="6752190" y="4495388"/>
+            <a:ext cx="1338952" cy="307777"/>
+          </a:xfrm>
+          <a:prstGeom prst="rect">
+            <a:avLst/>
+          </a:prstGeom>
+          <a:noFill/>
+          <a:ln>
+            <a:noFill/>
+          </a:ln>
+          <a:effectLst/>
+          <a:extLst>
+            <a:ext uri="{909E8E84-426E-40DD-AFC4-6F175D3DCCD1}">
+              <a14:hiddenFill xmlns:a14="http://schemas.microsoft.com/office/drawing/2010/main">
+                <a:solidFill>
+                  <a:schemeClr val="accent1"/>
+                </a:solidFill>
+              </a14:hiddenFill>
+            </a:ext>
+            <a:ext uri="{91240B29-F687-4F45-9708-019B960494DF}">
+              <a14:hiddenLine xmlns:a14="http://schemas.microsoft.com/office/drawing/2010/main" w="9525">
+                <a:solidFill>
+                  <a:schemeClr val="tx1"/>
+                </a:solidFill>
+                <a:miter lim="800000"/>
+                <a:headEnd/>
+                <a:tailEnd/>
+              </a14:hiddenLine>
+            </a:ext>
+            <a:ext uri="{AF507438-7753-43E0-B8FC-AC1667EBCBE1}">
+              <a14:hiddenEffects xmlns:a14="http://schemas.microsoft.com/office/drawing/2010/main">
+                <a:effectLst>
+                  <a:outerShdw dist="35921" dir="2700000" algn="ctr" rotWithShape="0">
+                    <a:schemeClr val="bg2"/>
+                  </a:outerShdw>
+                </a:effectLst>
+              </a14:hiddenEffects>
+            </a:ext>
+          </a:extLst>
+        </p:spPr>
+        <p:txBody>
+          <a:bodyPr vert="horz" wrap="square" lIns="91440" tIns="45720" rIns="91440" bIns="45720" numCol="1" anchor="ctr" anchorCtr="0" compatLnSpc="1">
+            <a:prstTxWarp prst="textNoShape">
+              <a:avLst/>
+            </a:prstTxWarp>
+            <a:spAutoFit/>
+          </a:bodyPr>
+          <a:lstStyle/>
+          <a:p>
+            <a:pPr marL="0" marR="0" lvl="0" indent="0" algn="ctr" defTabSz="914400" rtl="0" eaLnBrk="0" fontAlgn="base" latinLnBrk="0" hangingPunct="0">
+              <a:lnSpc>
+                <a:spcPct val="100000"/>
+              </a:lnSpc>
+              <a:spcBef>
+                <a:spcPct val="0"/>
+              </a:spcBef>
+              <a:spcAft>
+                <a:spcPct val="0"/>
+              </a:spcAft>
+              <a:buClrTx/>
+              <a:buSzTx/>
+              <a:buFontTx/>
+              <a:buNone/>
+              <a:tabLst/>
+            </a:pPr>
+            <a:r>
+              <a:rPr kumimoji="0" lang="ru-RU" altLang="ru-RU" sz="1400" b="0" i="0" u="none" strike="noStrike" cap="none" normalizeH="0" baseline="0" dirty="0" smtClean="0">
+                <a:ln>
+                  <a:noFill/>
+                </a:ln>
+                <a:solidFill>
+                  <a:srgbClr val="002060"/>
+                </a:solidFill>
+                <a:effectLst/>
+                <a:latin typeface="Arial" panose="020B0604020202020204" pitchFamily="34" charset="0"/>
+                <a:ea typeface="Calibri" panose="020F0502020204030204" pitchFamily="34" charset="0"/>
+                <a:cs typeface="Times New Roman" panose="02020603050405020304" pitchFamily="18" charset="0"/>
+              </a:rPr>
+              <a:t>209 атомов</a:t>
+            </a:r>
+            <a:endParaRPr kumimoji="0" lang="ru-RU" altLang="ru-RU" sz="800" b="0" i="0" u="none" strike="noStrike" cap="none" normalizeH="0" baseline="0" dirty="0" smtClean="0">
+              <a:ln>
+                <a:noFill/>
+              </a:ln>
+              <a:solidFill>
+                <a:srgbClr val="002060"/>
+              </a:solidFill>
+              <a:effectLst/>
+              <a:latin typeface="Arial" panose="020B0604020202020204" pitchFamily="34" charset="0"/>
+            </a:endParaRPr>
+          </a:p>
+        </p:txBody>
+      </p:sp>
+      <mc:AlternateContent xmlns:mc="http://schemas.openxmlformats.org/markup-compatibility/2006">
+        <mc:Choice xmlns:a14="http://schemas.microsoft.com/office/drawing/2010/main" Requires="a14">
+          <p:sp>
+            <p:nvSpPr>
+              <p:cNvPr id="18" name="Прямоугольник 17"/>
+              <p:cNvSpPr/>
+              <p:nvPr/>
+            </p:nvSpPr>
+            <p:spPr>
+              <a:xfrm>
+                <a:off x="6218826" y="4803165"/>
+                <a:ext cx="2580578" cy="369332"/>
+              </a:xfrm>
+              <a:prstGeom prst="rect">
+                <a:avLst/>
+              </a:prstGeom>
+            </p:spPr>
+            <p:txBody>
+              <a:bodyPr wrap="none">
+                <a:spAutoFit/>
+              </a:bodyPr>
+              <a:lstStyle/>
+              <a:p>
+                <a14:m>
+                  <m:oMathPara xmlns:m="http://schemas.openxmlformats.org/officeDocument/2006/math">
+                    <m:oMathParaPr>
+                      <m:jc m:val="centerGroup"/>
+                    </m:oMathParaPr>
+                    <m:oMath xmlns:m="http://schemas.openxmlformats.org/officeDocument/2006/math">
+                      <m:r>
+                        <a:rPr lang="ru-RU" i="1">
+                          <a:latin typeface="Cambria Math" panose="02040503050406030204" pitchFamily="18" charset="0"/>
+                        </a:rPr>
+                        <m:t>𝐸</m:t>
+                      </m:r>
+                      <m:r>
+                        <a:rPr lang="ru-RU" i="0">
+                          <a:latin typeface="Cambria Math" panose="02040503050406030204" pitchFamily="18" charset="0"/>
+                        </a:rPr>
+                        <m:t>=−990.5870484495</m:t>
+                      </m:r>
+                    </m:oMath>
+                  </m:oMathPara>
+                </a14:m>
+                <a:endParaRPr lang="ru-RU" dirty="0"/>
+              </a:p>
+            </p:txBody>
+          </p:sp>
+        </mc:Choice>
+        <mc:Fallback>
+          <p:sp>
+            <p:nvSpPr>
+              <p:cNvPr id="18" name="Прямоугольник 17"/>
+              <p:cNvSpPr>
+                <a:spLocks noRot="1" noChangeAspect="1" noMove="1" noResize="1" noEditPoints="1" noAdjustHandles="1" noChangeArrowheads="1" noChangeShapeType="1" noTextEdit="1"/>
+              </p:cNvSpPr>
+              <p:nvPr/>
+            </p:nvSpPr>
+            <p:spPr>
+              <a:xfrm>
+                <a:off x="6218826" y="4803165"/>
+                <a:ext cx="2580578" cy="369332"/>
+              </a:xfrm>
+              <a:prstGeom prst="rect">
+                <a:avLst/>
+              </a:prstGeom>
+              <a:blipFill rotWithShape="0">
+                <a:blip r:embed="rId6"/>
+                <a:stretch>
+                  <a:fillRect/>
+                </a:stretch>
+              </a:blipFill>
+            </p:spPr>
+            <p:txBody>
+              <a:bodyPr/>
+              <a:lstStyle/>
+              <a:p>
+                <a:r>
+                  <a:rPr lang="ru-RU">
+                    <a:noFill/>
+                  </a:rPr>
+                  <a:t> </a:t>
+                </a:r>
+              </a:p>
+            </p:txBody>
+          </p:sp>
+        </mc:Fallback>
+      </mc:AlternateContent>
     </p:spTree>
     <p:extLst>
       <p:ext uri="{BB962C8B-B14F-4D97-AF65-F5344CB8AC3E}">
@@ -6581,7 +9142,7 @@
           <a:p>
             <a:r>
               <a:rPr lang="ru-RU" dirty="0" smtClean="0"/>
-              <a:t>Вычислительные эксперименты</a:t>
+              <a:t>Итоги работы</a:t>
             </a:r>
             <a:endParaRPr lang="ru-RU" dirty="0"/>
           </a:p>
@@ -6597,35 +9158,145 @@
             <p:ph sz="half" idx="1"/>
           </p:nvPr>
         </p:nvSpPr>
-        <p:spPr/>
+        <p:spPr>
+          <a:xfrm>
+            <a:off x="385010" y="1690688"/>
+            <a:ext cx="8225589" cy="4508500"/>
+          </a:xfrm>
+        </p:spPr>
         <p:txBody>
-          <a:bodyPr/>
+          <a:bodyPr>
+            <a:normAutofit/>
+          </a:bodyPr>
           <a:lstStyle/>
           <a:p>
-            <a:r>
-              <a:rPr lang="ru-RU" dirty="0" smtClean="0"/>
-              <a:t>Большие конформации</a:t>
-            </a:r>
-            <a:endParaRPr lang="ru-RU" dirty="0"/>
-          </a:p>
-        </p:txBody>
-      </p:sp>
-      <p:sp>
-        <p:nvSpPr>
-          <p:cNvPr id="4" name="Объект 3"/>
-          <p:cNvSpPr>
-            <a:spLocks noGrp="1"/>
-          </p:cNvSpPr>
-          <p:nvPr>
-            <p:ph sz="half" idx="2"/>
-          </p:nvPr>
-        </p:nvSpPr>
-        <p:spPr/>
-        <p:txBody>
-          <a:bodyPr/>
-          <a:lstStyle/>
-          <a:p>
-            <a:endParaRPr lang="ru-RU"/>
+            <a:pPr lvl="0">
+              <a:buFont typeface="Wingdings" panose="05000000000000000000" pitchFamily="2" charset="2"/>
+              <a:buChar char="ü"/>
+            </a:pPr>
+            <a:r>
+              <a:rPr lang="ru-RU" sz="2000" dirty="0"/>
+              <a:t>Рассмотрены особенности формирования атомных </a:t>
+            </a:r>
+            <a:r>
+              <a:rPr lang="ru-RU" sz="2000" dirty="0" smtClean="0"/>
+              <a:t>структур</a:t>
+            </a:r>
+            <a:endParaRPr lang="ru-RU" sz="2000" dirty="0"/>
+          </a:p>
+          <a:p>
+            <a:pPr lvl="0">
+              <a:buFont typeface="Wingdings" panose="05000000000000000000" pitchFamily="2" charset="2"/>
+              <a:buChar char="ü"/>
+            </a:pPr>
+            <a:r>
+              <a:rPr lang="ru-RU" sz="2000" dirty="0"/>
+              <a:t>Сделан обзор существующих методов </a:t>
+            </a:r>
+            <a:r>
+              <a:rPr lang="ru-RU" sz="2000" dirty="0" smtClean="0"/>
+              <a:t>оптимизации</a:t>
+            </a:r>
+            <a:endParaRPr lang="ru-RU" sz="2000" dirty="0"/>
+          </a:p>
+          <a:p>
+            <a:pPr lvl="0">
+              <a:buFont typeface="Wingdings" panose="05000000000000000000" pitchFamily="2" charset="2"/>
+              <a:buChar char="ü"/>
+            </a:pPr>
+            <a:r>
+              <a:rPr lang="ru-RU" sz="2000" dirty="0"/>
+              <a:t>Предложена методика поиска глобально-оптимальных конформаций кластеров </a:t>
+            </a:r>
+            <a:r>
+              <a:rPr lang="ru-RU" sz="2000" dirty="0" smtClean="0"/>
+              <a:t>Морса</a:t>
+            </a:r>
+            <a:endParaRPr lang="ru-RU" sz="2000" dirty="0"/>
+          </a:p>
+          <a:p>
+            <a:pPr lvl="0">
+              <a:buFont typeface="Wingdings" panose="05000000000000000000" pitchFamily="2" charset="2"/>
+              <a:buChar char="ü"/>
+            </a:pPr>
+            <a:r>
+              <a:rPr lang="ru-RU" sz="2000" dirty="0"/>
+              <a:t>Разработана программная реализация алгоритма глобальной оптимизации атомных </a:t>
+            </a:r>
+            <a:r>
+              <a:rPr lang="ru-RU" sz="2000" dirty="0" smtClean="0"/>
+              <a:t>структур</a:t>
+            </a:r>
+            <a:endParaRPr lang="en-US" sz="2000" dirty="0" smtClean="0"/>
+          </a:p>
+          <a:p>
+            <a:pPr lvl="0">
+              <a:buFont typeface="Wingdings" panose="05000000000000000000" pitchFamily="2" charset="2"/>
+              <a:buChar char="ü"/>
+            </a:pPr>
+            <a:r>
+              <a:rPr lang="ru-RU" sz="2000" dirty="0" smtClean="0"/>
+              <a:t>Проведены </a:t>
+            </a:r>
+            <a:r>
+              <a:rPr lang="ru-RU" sz="2000" dirty="0"/>
+              <a:t>вычислительные </a:t>
+            </a:r>
+            <a:r>
+              <a:rPr lang="ru-RU" sz="2000" dirty="0" smtClean="0"/>
+              <a:t>эксперименты</a:t>
+            </a:r>
+            <a:endParaRPr lang="en-US" sz="2000" dirty="0" smtClean="0"/>
+          </a:p>
+          <a:p>
+            <a:pPr>
+              <a:buFont typeface="Wingdings" panose="05000000000000000000" pitchFamily="2" charset="2"/>
+              <a:buChar char="ü"/>
+            </a:pPr>
+            <a:r>
+              <a:rPr lang="ru-RU" sz="2000" dirty="0" smtClean="0"/>
+              <a:t>Результаты работы, приведённые в диссертации, были опубликованы в сборнике трудов международной конференции</a:t>
+            </a:r>
+            <a:endParaRPr lang="en-US" sz="2000" dirty="0" smtClean="0"/>
+          </a:p>
+          <a:p>
+            <a:pPr lvl="1"/>
+            <a:r>
+              <a:rPr lang="ru-RU" sz="1700" i="1" dirty="0" err="1" smtClean="0">
+                <a:solidFill>
+                  <a:srgbClr val="002060"/>
+                </a:solidFill>
+              </a:rPr>
+              <a:t>Коварцев</a:t>
+            </a:r>
+            <a:r>
+              <a:rPr lang="ru-RU" sz="1700" i="1" dirty="0" smtClean="0">
+                <a:solidFill>
+                  <a:srgbClr val="002060"/>
+                </a:solidFill>
+              </a:rPr>
+              <a:t> А.Н., </a:t>
+            </a:r>
+            <a:r>
+              <a:rPr lang="ru-RU" sz="1700" i="1" dirty="0" err="1" smtClean="0">
+                <a:solidFill>
+                  <a:srgbClr val="002060"/>
+                </a:solidFill>
+              </a:rPr>
+              <a:t>Шашов</a:t>
+            </a:r>
+            <a:r>
+              <a:rPr lang="ru-RU" sz="1700" i="1" dirty="0" smtClean="0">
+                <a:solidFill>
+                  <a:srgbClr val="002060"/>
+                </a:solidFill>
+              </a:rPr>
+              <a:t> К.В. Эвристический алгоритм поиска оптимальных конформаций атомного кластера Морса // Сборник трудов международной конференции «Инновационные исследования: проблемы внедрения результатов и направления развития». 2017. Т. 2. С. 8-12</a:t>
+            </a:r>
+          </a:p>
+          <a:p>
+            <a:pPr lvl="0"/>
+            <a:endParaRPr lang="ru-RU" sz="2400" dirty="0"/>
           </a:p>
         </p:txBody>
       </p:sp>
@@ -6655,7 +9326,7 @@
     </p:spTree>
     <p:extLst>
       <p:ext uri="{BB962C8B-B14F-4D97-AF65-F5344CB8AC3E}">
-        <p14:creationId xmlns:p14="http://schemas.microsoft.com/office/powerpoint/2010/main" val="2914107526"/>
+        <p14:creationId xmlns:p14="http://schemas.microsoft.com/office/powerpoint/2010/main" val="1830615301"/>
       </p:ext>
     </p:extLst>
   </p:cSld>
@@ -6899,296 +9570,6 @@
 </file>
 
 <file path=ppt/slides/slide20.xml><?xml version="1.0" encoding="utf-8"?>
-<p:sld xmlns:a="http://schemas.openxmlformats.org/drawingml/2006/main" xmlns:r="http://schemas.openxmlformats.org/officeDocument/2006/relationships" xmlns:p="http://schemas.openxmlformats.org/presentationml/2006/main">
-  <p:cSld>
-    <p:spTree>
-      <p:nvGrpSpPr>
-        <p:cNvPr id="1" name=""/>
-        <p:cNvGrpSpPr/>
-        <p:nvPr/>
-      </p:nvGrpSpPr>
-      <p:grpSpPr>
-        <a:xfrm>
-          <a:off x="0" y="0"/>
-          <a:ext cx="0" cy="0"/>
-          <a:chOff x="0" y="0"/>
-          <a:chExt cx="0" cy="0"/>
-        </a:xfrm>
-      </p:grpSpPr>
-      <p:sp>
-        <p:nvSpPr>
-          <p:cNvPr id="2" name="Заголовок 1"/>
-          <p:cNvSpPr>
-            <a:spLocks noGrp="1"/>
-          </p:cNvSpPr>
-          <p:nvPr>
-            <p:ph type="title"/>
-          </p:nvPr>
-        </p:nvSpPr>
-        <p:spPr/>
-        <p:txBody>
-          <a:bodyPr/>
-          <a:lstStyle/>
-          <a:p>
-            <a:r>
-              <a:rPr lang="ru-RU" dirty="0" smtClean="0"/>
-              <a:t>Итоги работы</a:t>
-            </a:r>
-            <a:endParaRPr lang="ru-RU" dirty="0"/>
-          </a:p>
-        </p:txBody>
-      </p:sp>
-      <p:sp>
-        <p:nvSpPr>
-          <p:cNvPr id="3" name="Объект 2"/>
-          <p:cNvSpPr>
-            <a:spLocks noGrp="1"/>
-          </p:cNvSpPr>
-          <p:nvPr>
-            <p:ph sz="half" idx="1"/>
-          </p:nvPr>
-        </p:nvSpPr>
-        <p:spPr/>
-        <p:txBody>
-          <a:bodyPr>
-            <a:normAutofit fontScale="92500"/>
-          </a:bodyPr>
-          <a:lstStyle/>
-          <a:p>
-            <a:pPr>
-              <a:lnSpc>
-                <a:spcPct val="150000"/>
-              </a:lnSpc>
-            </a:pPr>
-            <a:r>
-              <a:rPr lang="ru-RU" sz="2800" dirty="0" smtClean="0">
-                <a:solidFill>
-                  <a:srgbClr val="C00000"/>
-                </a:solidFill>
-              </a:rPr>
-              <a:t>На данный момент есть: </a:t>
-            </a:r>
-          </a:p>
-          <a:p>
-            <a:pPr lvl="1">
-              <a:spcBef>
-                <a:spcPts val="1200"/>
-              </a:spcBef>
-            </a:pPr>
-            <a:r>
-              <a:rPr lang="ru-RU" sz="2400" dirty="0" smtClean="0">
-                <a:solidFill>
-                  <a:schemeClr val="tx1"/>
-                </a:solidFill>
-              </a:rPr>
-              <a:t>Алгоритм и его программная реализация на </a:t>
-            </a:r>
-            <a:r>
-              <a:rPr lang="en-US" sz="2400" dirty="0" err="1" smtClean="0">
-                <a:solidFill>
-                  <a:schemeClr val="tx1"/>
-                </a:solidFill>
-              </a:rPr>
-              <a:t>Matlab</a:t>
-            </a:r>
-            <a:endParaRPr lang="ru-RU" sz="2400" dirty="0" smtClean="0">
-              <a:solidFill>
-                <a:schemeClr val="tx1"/>
-              </a:solidFill>
-            </a:endParaRPr>
-          </a:p>
-          <a:p>
-            <a:pPr lvl="1">
-              <a:spcBef>
-                <a:spcPts val="1200"/>
-              </a:spcBef>
-            </a:pPr>
-            <a:r>
-              <a:rPr lang="ru-RU" sz="2400" dirty="0" smtClean="0">
-                <a:solidFill>
-                  <a:schemeClr val="tx1"/>
-                </a:solidFill>
-              </a:rPr>
-              <a:t>Записка с обзорными главами и описанием алгоритма</a:t>
-            </a:r>
-            <a:endParaRPr lang="en-US" sz="2400" dirty="0" smtClean="0">
-              <a:solidFill>
-                <a:schemeClr val="tx1"/>
-              </a:solidFill>
-            </a:endParaRPr>
-          </a:p>
-          <a:p>
-            <a:pPr lvl="1">
-              <a:spcBef>
-                <a:spcPts val="1200"/>
-              </a:spcBef>
-            </a:pPr>
-            <a:r>
-              <a:rPr lang="ru-RU" sz="2400" dirty="0" smtClean="0">
-                <a:solidFill>
-                  <a:schemeClr val="tx1"/>
-                </a:solidFill>
-              </a:rPr>
-              <a:t>Публикация</a:t>
-            </a:r>
-            <a:r>
-              <a:rPr lang="en-US" sz="2400" dirty="0" smtClean="0">
-                <a:solidFill>
-                  <a:schemeClr val="tx1"/>
-                </a:solidFill>
-              </a:rPr>
-              <a:t> </a:t>
-            </a:r>
-            <a:r>
-              <a:rPr lang="ru-RU" sz="2400" dirty="0" smtClean="0">
-                <a:solidFill>
-                  <a:schemeClr val="tx1"/>
-                </a:solidFill>
-              </a:rPr>
-              <a:t>в сборнике </a:t>
-            </a:r>
-            <a:r>
-              <a:rPr lang="ru-RU" sz="2400" dirty="0">
-                <a:solidFill>
-                  <a:schemeClr val="tx1"/>
-                </a:solidFill>
-              </a:rPr>
-              <a:t>статей международной </a:t>
-            </a:r>
-            <a:r>
-              <a:rPr lang="ru-RU" sz="2400" dirty="0" smtClean="0">
-                <a:solidFill>
-                  <a:schemeClr val="tx1"/>
-                </a:solidFill>
-              </a:rPr>
-              <a:t>конференции, индексируемая в РИНЦ</a:t>
-            </a:r>
-          </a:p>
-        </p:txBody>
-      </p:sp>
-      <p:sp>
-        <p:nvSpPr>
-          <p:cNvPr id="4" name="Объект 3"/>
-          <p:cNvSpPr>
-            <a:spLocks noGrp="1"/>
-          </p:cNvSpPr>
-          <p:nvPr>
-            <p:ph sz="half" idx="2"/>
-          </p:nvPr>
-        </p:nvSpPr>
-        <p:spPr/>
-        <p:txBody>
-          <a:bodyPr>
-            <a:normAutofit fontScale="92500"/>
-          </a:bodyPr>
-          <a:lstStyle/>
-          <a:p>
-            <a:pPr>
-              <a:lnSpc>
-                <a:spcPct val="150000"/>
-              </a:lnSpc>
-            </a:pPr>
-            <a:r>
-              <a:rPr lang="ru-RU" sz="2800" dirty="0">
-                <a:solidFill>
-                  <a:srgbClr val="C00000"/>
-                </a:solidFill>
-              </a:rPr>
-              <a:t>Далее планируется:</a:t>
-            </a:r>
-          </a:p>
-          <a:p>
-            <a:pPr lvl="1">
-              <a:spcBef>
-                <a:spcPts val="1200"/>
-              </a:spcBef>
-            </a:pPr>
-            <a:r>
-              <a:rPr lang="ru-RU" sz="2400" dirty="0">
-                <a:solidFill>
-                  <a:schemeClr val="tx1"/>
-                </a:solidFill>
-              </a:rPr>
-              <a:t>Реализация на С++ или </a:t>
-            </a:r>
-            <a:r>
-              <a:rPr lang="en-US" sz="2400" dirty="0">
-                <a:solidFill>
-                  <a:schemeClr val="tx1"/>
-                </a:solidFill>
-              </a:rPr>
-              <a:t>Java</a:t>
-            </a:r>
-          </a:p>
-          <a:p>
-            <a:pPr lvl="1">
-              <a:spcBef>
-                <a:spcPts val="1200"/>
-              </a:spcBef>
-            </a:pPr>
-            <a:r>
-              <a:rPr lang="ru-RU" sz="2400" dirty="0">
-                <a:solidFill>
-                  <a:schemeClr val="tx1"/>
-                </a:solidFill>
-              </a:rPr>
-              <a:t>Проведение вычислительных </a:t>
-            </a:r>
-            <a:r>
-              <a:rPr lang="ru-RU" sz="2400" dirty="0" smtClean="0">
-                <a:solidFill>
-                  <a:schemeClr val="tx1"/>
-                </a:solidFill>
-              </a:rPr>
-              <a:t>экспериментов</a:t>
-            </a:r>
-          </a:p>
-        </p:txBody>
-      </p:sp>
-      <p:sp>
-        <p:nvSpPr>
-          <p:cNvPr id="5" name="Нижний колонтитул 4"/>
-          <p:cNvSpPr>
-            <a:spLocks noGrp="1"/>
-          </p:cNvSpPr>
-          <p:nvPr>
-            <p:ph type="ftr" sz="quarter" idx="11"/>
-          </p:nvPr>
-        </p:nvSpPr>
-        <p:spPr/>
-        <p:txBody>
-          <a:bodyPr/>
-          <a:lstStyle/>
-          <a:p>
-            <a:r>
-              <a:rPr lang="ru-RU" smtClean="0"/>
-              <a:t>Эвристический алгоритм поиска глобально-оптимальной конформации атомного кластера Морса, Шашов К.В.</a:t>
-            </a:r>
-            <a:endParaRPr lang="ru-RU"/>
-          </a:p>
-        </p:txBody>
-      </p:sp>
-    </p:spTree>
-    <p:extLst>
-      <p:ext uri="{BB962C8B-B14F-4D97-AF65-F5344CB8AC3E}">
-        <p14:creationId xmlns:p14="http://schemas.microsoft.com/office/powerpoint/2010/main" val="1830615301"/>
-      </p:ext>
-    </p:extLst>
-  </p:cSld>
-  <p:clrMapOvr>
-    <a:masterClrMapping/>
-  </p:clrMapOvr>
-  <p:timing>
-    <p:tnLst>
-      <p:par>
-        <p:cTn id="1" dur="indefinite" restart="never" nodeType="tmRoot"/>
-      </p:par>
-    </p:tnLst>
-  </p:timing>
-</p:sld>
-</file>
-
-<file path=ppt/slides/slide21.xml><?xml version="1.0" encoding="utf-8"?>
 <p:sld xmlns:a="http://schemas.openxmlformats.org/drawingml/2006/main" xmlns:r="http://schemas.openxmlformats.org/officeDocument/2006/relationships" xmlns:p="http://schemas.openxmlformats.org/presentationml/2006/main">
   <p:cSld>
     <p:bg>
@@ -7577,30 +9958,6 @@
           </a:extLst>
         </p:spPr>
       </p:pic>
-      <p:pic>
-        <p:nvPicPr>
-          <p:cNvPr id="12" name="Рисунок 11"/>
-          <p:cNvPicPr>
-            <a:picLocks noChangeAspect="1"/>
-          </p:cNvPicPr>
-          <p:nvPr/>
-        </p:nvPicPr>
-        <p:blipFill>
-          <a:blip r:embed="rId3"/>
-          <a:stretch>
-            <a:fillRect/>
-          </a:stretch>
-        </p:blipFill>
-        <p:spPr>
-          <a:xfrm>
-            <a:off x="1426573" y="1880524"/>
-            <a:ext cx="4400789" cy="4346121"/>
-          </a:xfrm>
-          <a:prstGeom prst="rect">
-            <a:avLst/>
-          </a:prstGeom>
-        </p:spPr>
-      </p:pic>
       <p:sp>
         <p:nvSpPr>
           <p:cNvPr id="3" name="Нижний колонтитул 2"/>
@@ -7624,6 +9981,30 @@
           </a:p>
         </p:txBody>
       </p:sp>
+      <p:pic>
+        <p:nvPicPr>
+          <p:cNvPr id="9" name="Рисунок 8"/>
+          <p:cNvPicPr>
+            <a:picLocks noChangeAspect="1"/>
+          </p:cNvPicPr>
+          <p:nvPr/>
+        </p:nvPicPr>
+        <p:blipFill>
+          <a:blip r:embed="rId3"/>
+          <a:stretch>
+            <a:fillRect/>
+          </a:stretch>
+        </p:blipFill>
+        <p:spPr>
+          <a:xfrm>
+            <a:off x="1039898" y="1778978"/>
+            <a:ext cx="4426973" cy="4577372"/>
+          </a:xfrm>
+          <a:prstGeom prst="rect">
+            <a:avLst/>
+          </a:prstGeom>
+        </p:spPr>
+      </p:pic>
     </p:spTree>
     <p:extLst>
       <p:ext uri="{BB962C8B-B14F-4D97-AF65-F5344CB8AC3E}">
@@ -8037,7 +10418,6 @@
               <a:rPr lang="ru-RU" dirty="0" smtClean="0"/>
               <a:t>структур:</a:t>
             </a:r>
-            <a:endParaRPr lang="ru-RU" dirty="0" smtClean="0"/>
           </a:p>
           <a:p>
             <a:pPr lvl="1"/>
@@ -8207,6 +10587,13 @@
   <p:clrMapOvr>
     <a:masterClrMapping/>
   </p:clrMapOvr>
+  <p:timing>
+    <p:tnLst>
+      <p:par>
+        <p:cTn id="1" dur="indefinite" restart="never" nodeType="tmRoot"/>
+      </p:par>
+    </p:tnLst>
+  </p:timing>
 </p:sld>
 </file>
 
@@ -8468,6 +10855,13 @@
   <p:clrMapOvr>
     <a:masterClrMapping/>
   </p:clrMapOvr>
+  <p:timing>
+    <p:tnLst>
+      <p:par>
+        <p:cTn id="1" dur="indefinite" restart="never" nodeType="tmRoot"/>
+      </p:par>
+    </p:tnLst>
+  </p:timing>
 </p:sld>
 </file>
 
@@ -8734,8 +11128,8 @@
           </p:sp>
         </mc:Fallback>
       </mc:AlternateContent>
-      <mc:AlternateContent xmlns:mc="http://schemas.openxmlformats.org/markup-compatibility/2006" xmlns:a14="http://schemas.microsoft.com/office/drawing/2010/main">
-        <mc:Choice Requires="a14">
+      <mc:AlternateContent xmlns:mc="http://schemas.openxmlformats.org/markup-compatibility/2006">
+        <mc:Choice xmlns:a14="http://schemas.microsoft.com/office/drawing/2010/main" Requires="a14">
           <p:sp>
             <p:nvSpPr>
               <p:cNvPr id="6" name="Прямоугольник 5"/>
@@ -8745,7 +11139,7 @@
             <p:spPr>
               <a:xfrm>
                 <a:off x="1022181" y="4438650"/>
-                <a:ext cx="6951246" cy="1151854"/>
+                <a:ext cx="6951246" cy="1200329"/>
               </a:xfrm>
               <a:prstGeom prst="rect">
                 <a:avLst/>
@@ -8846,25 +11240,25 @@
                     <m:sSub>
                       <m:sSubPr>
                         <m:ctrlPr>
-                          <a:rPr lang="en-US" sz="2000" i="1">
+                          <a:rPr lang="en-US" sz="2000" b="1" i="1">
                             <a:latin typeface="Cambria Math" panose="02040503050406030204" pitchFamily="18" charset="0"/>
                           </a:rPr>
                         </m:ctrlPr>
                       </m:sSubPr>
                       <m:e>
                         <m:r>
-                          <a:rPr lang="en-US" sz="2000" i="1">
+                          <a:rPr lang="en-US" sz="2000" b="1" i="1">
                             <a:latin typeface="Cambria Math" panose="02040503050406030204" pitchFamily="18" charset="0"/>
                           </a:rPr>
-                          <m:t>𝑁</m:t>
+                          <m:t>𝑵</m:t>
                         </m:r>
                       </m:e>
                       <m:sub>
                         <m:r>
-                          <a:rPr lang="en-US" sz="2000" i="1">
+                          <a:rPr lang="en-US" sz="2000" b="1" i="1">
                             <a:latin typeface="Cambria Math" panose="02040503050406030204" pitchFamily="18" charset="0"/>
                           </a:rPr>
-                          <m:t>1</m:t>
+                          <m:t>𝟏</m:t>
                         </m:r>
                       </m:sub>
                     </m:sSub>
@@ -8885,7 +11279,7 @@
             </p:txBody>
           </p:sp>
         </mc:Choice>
-        <mc:Fallback xmlns="">
+        <mc:Fallback>
           <p:sp>
             <p:nvSpPr>
               <p:cNvPr id="6" name="Прямоугольник 5"/>
@@ -8897,7 +11291,7 @@
             <p:spPr>
               <a:xfrm>
                 <a:off x="1022181" y="4438650"/>
-                <a:ext cx="6951246" cy="1151854"/>
+                <a:ext cx="6951246" cy="1200329"/>
               </a:xfrm>
               <a:prstGeom prst="rect">
                 <a:avLst/>
@@ -8905,7 +11299,7 @@
               <a:blipFill rotWithShape="0">
                 <a:blip r:embed="rId3"/>
                 <a:stretch>
-                  <a:fillRect b="-8466"/>
+                  <a:fillRect b="-4061"/>
                 </a:stretch>
               </a:blipFill>
             </p:spPr>
@@ -9044,7 +11438,7 @@
           <a:graphicData uri="http://schemas.openxmlformats.org/presentationml/2006/ole">
             <mc:AlternateContent xmlns:mc="http://schemas.openxmlformats.org/markup-compatibility/2006">
               <mc:Choice xmlns:v="urn:schemas-microsoft-com:vml" Requires="v">
-                <p:oleObj spid="_x0000_s2140" name="Image" r:id="rId3" imgW="2107800" imgH="7872840" progId="Photoshop.Image.13">
+                <p:oleObj spid="_x0000_s2191" name="Image" r:id="rId3" imgW="2107800" imgH="7872840" progId="Photoshop.Image.13">
                   <p:embed/>
                 </p:oleObj>
               </mc:Choice>
